--- a/Presentation/Draft Change Forecast Presentation.pptx
+++ b/Presentation/Draft Change Forecast Presentation.pptx
@@ -1048,7 +1048,7 @@
 <dgm:dataModel xmlns:dgm="http://schemas.openxmlformats.org/drawingml/2006/diagram" xmlns:a="http://schemas.openxmlformats.org/drawingml/2006/main">
   <dgm:ptLst>
     <dgm:pt modelId="{106410D9-6EF9-4DB3-8B5E-6A89A46E65BE}" type="doc">
-      <dgm:prSet loTypeId="urn:microsoft.com/office/officeart/2018/5/layout/IconCircleLabelList" loCatId="icon" qsTypeId="urn:microsoft.com/office/officeart/2005/8/quickstyle/simple1" qsCatId="simple" csTypeId="urn:microsoft.com/office/officeart/2018/5/colors/Iconchunking_neutralicon_colorful1" csCatId="colorful" phldr="1"/>
+      <dgm:prSet loTypeId="urn:microsoft.com/office/officeart/2018/2/layout/IconCircleList" loCatId="icon" qsTypeId="urn:microsoft.com/office/officeart/2005/8/quickstyle/simple1" qsCatId="simple" csTypeId="urn:microsoft.com/office/officeart/2018/5/colors/Iconchunking_neutralicon_colorful1" csCatId="colorful" phldr="1"/>
       <dgm:spPr/>
       <dgm:t>
         <a:bodyPr/>
@@ -1066,7 +1066,9 @@
         <a:lstStyle/>
         <a:p>
           <a:pPr>
-            <a:defRPr cap="all"/>
+            <a:lnSpc>
+              <a:spcPct val="100000"/>
+            </a:lnSpc>
           </a:pPr>
           <a:r>
             <a:rPr lang="en-US"/>
@@ -1093,6 +1095,11 @@
         <a:bodyPr/>
         <a:lstStyle/>
         <a:p>
+          <a:pPr>
+            <a:lnSpc>
+              <a:spcPct val="100000"/>
+            </a:lnSpc>
+          </a:pPr>
           <a:endParaRPr lang="en-US"/>
         </a:p>
       </dgm:t>
@@ -1105,7 +1112,9 @@
         <a:lstStyle/>
         <a:p>
           <a:pPr>
-            <a:defRPr cap="all"/>
+            <a:lnSpc>
+              <a:spcPct val="100000"/>
+            </a:lnSpc>
           </a:pPr>
           <a:r>
             <a:rPr lang="en-US"/>
@@ -1132,6 +1141,11 @@
         <a:bodyPr/>
         <a:lstStyle/>
         <a:p>
+          <a:pPr>
+            <a:lnSpc>
+              <a:spcPct val="100000"/>
+            </a:lnSpc>
+          </a:pPr>
           <a:endParaRPr lang="en-US"/>
         </a:p>
       </dgm:t>
@@ -1144,7 +1158,9 @@
         <a:lstStyle/>
         <a:p>
           <a:pPr>
-            <a:defRPr cap="all"/>
+            <a:lnSpc>
+              <a:spcPct val="100000"/>
+            </a:lnSpc>
           </a:pPr>
           <a:r>
             <a:rPr lang="en-US"/>
@@ -1171,6 +1187,11 @@
         <a:bodyPr/>
         <a:lstStyle/>
         <a:p>
+          <a:pPr>
+            <a:lnSpc>
+              <a:spcPct val="100000"/>
+            </a:lnSpc>
+          </a:pPr>
           <a:endParaRPr lang="en-US"/>
         </a:p>
       </dgm:t>
@@ -1183,7 +1204,9 @@
         <a:lstStyle/>
         <a:p>
           <a:pPr>
-            <a:defRPr cap="all"/>
+            <a:lnSpc>
+              <a:spcPct val="100000"/>
+            </a:lnSpc>
           </a:pPr>
           <a:r>
             <a:rPr lang="en-US"/>
@@ -1210,6 +1233,11 @@
         <a:bodyPr/>
         <a:lstStyle/>
         <a:p>
+          <a:pPr>
+            <a:lnSpc>
+              <a:spcPct val="100000"/>
+            </a:lnSpc>
+          </a:pPr>
           <a:endParaRPr lang="en-US"/>
         </a:p>
       </dgm:t>
@@ -1222,7 +1250,9 @@
         <a:lstStyle/>
         <a:p>
           <a:pPr>
-            <a:defRPr cap="all"/>
+            <a:lnSpc>
+              <a:spcPct val="100000"/>
+            </a:lnSpc>
           </a:pPr>
           <a:r>
             <a:rPr lang="en-US"/>
@@ -1249,6 +1279,11 @@
         <a:bodyPr/>
         <a:lstStyle/>
         <a:p>
+          <a:pPr>
+            <a:lnSpc>
+              <a:spcPct val="100000"/>
+            </a:lnSpc>
+          </a:pPr>
           <a:endParaRPr lang="en-US"/>
         </a:p>
       </dgm:t>
@@ -1261,7 +1296,9 @@
         <a:lstStyle/>
         <a:p>
           <a:pPr>
-            <a:defRPr cap="all"/>
+            <a:lnSpc>
+              <a:spcPct val="100000"/>
+            </a:lnSpc>
           </a:pPr>
           <a:r>
             <a:rPr lang="en-US"/>
@@ -1288,6 +1325,11 @@
         <a:bodyPr/>
         <a:lstStyle/>
         <a:p>
+          <a:pPr>
+            <a:lnSpc>
+              <a:spcPct val="100000"/>
+            </a:lnSpc>
+          </a:pPr>
           <a:endParaRPr lang="en-US"/>
         </a:p>
       </dgm:t>
@@ -1300,7 +1342,9 @@
         <a:lstStyle/>
         <a:p>
           <a:pPr>
-            <a:defRPr cap="all"/>
+            <a:lnSpc>
+              <a:spcPct val="100000"/>
+            </a:lnSpc>
           </a:pPr>
           <a:r>
             <a:rPr lang="en-US"/>
@@ -1331,7 +1375,7 @@
         </a:p>
       </dgm:t>
     </dgm:pt>
-    <dgm:pt modelId="{B5625853-7E9D-40EA-AF34-A529C4C157F8}" type="pres">
+    <dgm:pt modelId="{56DFFCB1-BB45-4ACD-B0C5-28E1A88C431E}" type="pres">
       <dgm:prSet presAssocID="{106410D9-6EF9-4DB3-8B5E-6A89A46E65BE}" presName="root" presStyleCnt="0">
         <dgm:presLayoutVars>
           <dgm:dir/>
@@ -1340,15 +1384,24 @@
       </dgm:prSet>
       <dgm:spPr/>
     </dgm:pt>
-    <dgm:pt modelId="{D4188F1F-0C33-4D3A-B857-DCC442D5E35B}" type="pres">
+    <dgm:pt modelId="{95821B85-F6EA-4297-BEB7-83AC1B0DA4FE}" type="pres">
+      <dgm:prSet presAssocID="{106410D9-6EF9-4DB3-8B5E-6A89A46E65BE}" presName="container" presStyleCnt="0">
+        <dgm:presLayoutVars>
+          <dgm:dir/>
+          <dgm:resizeHandles val="exact"/>
+        </dgm:presLayoutVars>
+      </dgm:prSet>
+      <dgm:spPr/>
+    </dgm:pt>
+    <dgm:pt modelId="{3C489264-AABA-42A9-8ECC-658E7C8D504D}" type="pres">
       <dgm:prSet presAssocID="{1DBE04E8-4550-4B63-915A-5F2F6BD6D329}" presName="compNode" presStyleCnt="0"/>
       <dgm:spPr/>
     </dgm:pt>
-    <dgm:pt modelId="{AF03FEB0-D2A3-4EE7-A60D-F3C61B59D56E}" type="pres">
+    <dgm:pt modelId="{604ADF43-82A1-4D25-9D95-CE733810CFA8}" type="pres">
       <dgm:prSet presAssocID="{1DBE04E8-4550-4B63-915A-5F2F6BD6D329}" presName="iconBgRect" presStyleLbl="bgShp" presStyleIdx="0" presStyleCnt="7"/>
       <dgm:spPr/>
     </dgm:pt>
-    <dgm:pt modelId="{366F24DD-1791-4AD9-8718-249C7D9C5E3C}" type="pres">
+    <dgm:pt modelId="{6E7DED06-5186-4485-B80C-D0722936E65B}" type="pres">
       <dgm:prSet presAssocID="{1DBE04E8-4550-4B63-915A-5F2F6BD6D329}" presName="iconRect" presStyleLbl="node1" presStyleIdx="0" presStyleCnt="7"/>
       <dgm:spPr>
         <a:blipFill>
@@ -1372,15 +1425,15 @@
       </dgm:spPr>
       <dgm:extLst>
         <a:ext uri="{E40237B7-FDA0-4F09-8148-C483321AD2D9}">
-          <dgm14:cNvPr xmlns:dgm14="http://schemas.microsoft.com/office/drawing/2010/diagram" id="0" name="" descr="Like"/>
+          <dgm14:cNvPr xmlns:dgm14="http://schemas.microsoft.com/office/drawing/2010/diagram" id="0" name="" descr="Document"/>
         </a:ext>
       </dgm:extLst>
     </dgm:pt>
-    <dgm:pt modelId="{0355B5CC-AE58-41DB-9113-79787A8C6365}" type="pres">
+    <dgm:pt modelId="{FC801B21-BBA9-49CF-8334-2D5F6AE1A0C3}" type="pres">
       <dgm:prSet presAssocID="{1DBE04E8-4550-4B63-915A-5F2F6BD6D329}" presName="spaceRect" presStyleCnt="0"/>
       <dgm:spPr/>
     </dgm:pt>
-    <dgm:pt modelId="{547B9F48-3436-4521-B495-544643A78B37}" type="pres">
+    <dgm:pt modelId="{7F1BD2CE-2B87-4105-9519-D8A897B0E91B}" type="pres">
       <dgm:prSet presAssocID="{1DBE04E8-4550-4B63-915A-5F2F6BD6D329}" presName="textRect" presStyleLbl="revTx" presStyleIdx="0" presStyleCnt="7">
         <dgm:presLayoutVars>
           <dgm:chMax val="1"/>
@@ -1389,19 +1442,19 @@
       </dgm:prSet>
       <dgm:spPr/>
     </dgm:pt>
-    <dgm:pt modelId="{8E8A29C0-B963-44BB-BD37-F8D5768EA923}" type="pres">
-      <dgm:prSet presAssocID="{9271D2B6-FB5F-49C3-B389-A6A5771F7794}" presName="sibTrans" presStyleCnt="0"/>
+    <dgm:pt modelId="{7BDAB59D-80F9-4B07-A5E3-6C8210E1C61C}" type="pres">
+      <dgm:prSet presAssocID="{9271D2B6-FB5F-49C3-B389-A6A5771F7794}" presName="sibTrans" presStyleLbl="sibTrans2D1" presStyleIdx="0" presStyleCnt="0"/>
       <dgm:spPr/>
     </dgm:pt>
-    <dgm:pt modelId="{E7B5DAA1-4B18-4BDA-939A-6647BCBB4166}" type="pres">
+    <dgm:pt modelId="{BA4BCD73-0189-46CA-9621-B37E64C0171C}" type="pres">
       <dgm:prSet presAssocID="{6F3061E5-F0BC-43C4-B76A-87A702F35852}" presName="compNode" presStyleCnt="0"/>
       <dgm:spPr/>
     </dgm:pt>
-    <dgm:pt modelId="{CDEF5C54-799B-4117-AB1E-870F5BA27EC9}" type="pres">
+    <dgm:pt modelId="{95F3E834-17B1-4893-980A-6C585E965DEF}" type="pres">
       <dgm:prSet presAssocID="{6F3061E5-F0BC-43C4-B76A-87A702F35852}" presName="iconBgRect" presStyleLbl="bgShp" presStyleIdx="1" presStyleCnt="7"/>
       <dgm:spPr/>
     </dgm:pt>
-    <dgm:pt modelId="{70073F15-ADE8-4410-9A7B-D2F5E063D18F}" type="pres">
+    <dgm:pt modelId="{243B9960-4C9A-4419-9A1C-3E311A0DBF72}" type="pres">
       <dgm:prSet presAssocID="{6F3061E5-F0BC-43C4-B76A-87A702F35852}" presName="iconRect" presStyleLbl="node1" presStyleIdx="1" presStyleCnt="7"/>
       <dgm:spPr>
         <a:blipFill>
@@ -1429,11 +1482,11 @@
         </a:ext>
       </dgm:extLst>
     </dgm:pt>
-    <dgm:pt modelId="{B17194C0-437B-4D42-A3AE-B902E47A6C5C}" type="pres">
+    <dgm:pt modelId="{D5779885-B593-463E-9588-85BD1A754C0A}" type="pres">
       <dgm:prSet presAssocID="{6F3061E5-F0BC-43C4-B76A-87A702F35852}" presName="spaceRect" presStyleCnt="0"/>
       <dgm:spPr/>
     </dgm:pt>
-    <dgm:pt modelId="{FE3D7135-708E-42FF-A2EF-D465970C2325}" type="pres">
+    <dgm:pt modelId="{5B8C03C4-87A8-4CA2-93CB-4F37918BBB63}" type="pres">
       <dgm:prSet presAssocID="{6F3061E5-F0BC-43C4-B76A-87A702F35852}" presName="textRect" presStyleLbl="revTx" presStyleIdx="1" presStyleCnt="7">
         <dgm:presLayoutVars>
           <dgm:chMax val="1"/>
@@ -1442,19 +1495,19 @@
       </dgm:prSet>
       <dgm:spPr/>
     </dgm:pt>
-    <dgm:pt modelId="{664F89DE-23F7-482E-8F71-BA5F2472DCEC}" type="pres">
-      <dgm:prSet presAssocID="{9787AF64-2BE7-419D-B581-0D5B7AF33DCD}" presName="sibTrans" presStyleCnt="0"/>
+    <dgm:pt modelId="{1F0B7825-87B0-483B-8337-EB9666E69B6F}" type="pres">
+      <dgm:prSet presAssocID="{9787AF64-2BE7-419D-B581-0D5B7AF33DCD}" presName="sibTrans" presStyleLbl="sibTrans2D1" presStyleIdx="0" presStyleCnt="0"/>
       <dgm:spPr/>
     </dgm:pt>
-    <dgm:pt modelId="{9D080F65-69AE-471F-A176-053FDC2824C6}" type="pres">
+    <dgm:pt modelId="{0B337414-7BED-4F04-A5AB-9473DA61E7C2}" type="pres">
       <dgm:prSet presAssocID="{D0140D44-B78A-4F61-9715-C800D1B73438}" presName="compNode" presStyleCnt="0"/>
       <dgm:spPr/>
     </dgm:pt>
-    <dgm:pt modelId="{1E66DDE4-36DB-4128-A806-976D8BDA59BA}" type="pres">
+    <dgm:pt modelId="{90862DC6-5042-404E-A3B2-AA186B5DFC9D}" type="pres">
       <dgm:prSet presAssocID="{D0140D44-B78A-4F61-9715-C800D1B73438}" presName="iconBgRect" presStyleLbl="bgShp" presStyleIdx="2" presStyleCnt="7"/>
       <dgm:spPr/>
     </dgm:pt>
-    <dgm:pt modelId="{C027B083-F5E7-471A-9EC7-889ABBEA6231}" type="pres">
+    <dgm:pt modelId="{2570BF1F-8422-4B2C-A6C9-C3EA16CDEF64}" type="pres">
       <dgm:prSet presAssocID="{D0140D44-B78A-4F61-9715-C800D1B73438}" presName="iconRect" presStyleLbl="node1" presStyleIdx="2" presStyleCnt="7"/>
       <dgm:spPr>
         <a:blipFill>
@@ -1478,15 +1531,15 @@
       </dgm:spPr>
       <dgm:extLst>
         <a:ext uri="{E40237B7-FDA0-4F09-8148-C483321AD2D9}">
-          <dgm14:cNvPr xmlns:dgm14="http://schemas.microsoft.com/office/drawing/2010/diagram" id="0" name="" descr="Album"/>
+          <dgm14:cNvPr xmlns:dgm14="http://schemas.microsoft.com/office/drawing/2010/diagram" id="0" name="" descr="Play"/>
         </a:ext>
       </dgm:extLst>
     </dgm:pt>
-    <dgm:pt modelId="{DFF6EF65-64C0-4F4F-BE8E-B0859EDF8ADF}" type="pres">
+    <dgm:pt modelId="{305A88FC-9B39-42F2-B0FA-238EE3A2DFE4}" type="pres">
       <dgm:prSet presAssocID="{D0140D44-B78A-4F61-9715-C800D1B73438}" presName="spaceRect" presStyleCnt="0"/>
       <dgm:spPr/>
     </dgm:pt>
-    <dgm:pt modelId="{2C487354-2E6B-490E-810A-765842D826DB}" type="pres">
+    <dgm:pt modelId="{3EA72870-D74B-4039-8D54-44B4E0002CA4}" type="pres">
       <dgm:prSet presAssocID="{D0140D44-B78A-4F61-9715-C800D1B73438}" presName="textRect" presStyleLbl="revTx" presStyleIdx="2" presStyleCnt="7">
         <dgm:presLayoutVars>
           <dgm:chMax val="1"/>
@@ -1495,19 +1548,19 @@
       </dgm:prSet>
       <dgm:spPr/>
     </dgm:pt>
-    <dgm:pt modelId="{3F9062F7-9C69-4F38-8915-4BF11BC17A0F}" type="pres">
-      <dgm:prSet presAssocID="{15A25608-FAB0-4BB0-A8BF-770A65A94393}" presName="sibTrans" presStyleCnt="0"/>
+    <dgm:pt modelId="{0C582C45-D826-41D6-8A9F-47AF74C0BDD2}" type="pres">
+      <dgm:prSet presAssocID="{15A25608-FAB0-4BB0-A8BF-770A65A94393}" presName="sibTrans" presStyleLbl="sibTrans2D1" presStyleIdx="0" presStyleCnt="0"/>
       <dgm:spPr/>
     </dgm:pt>
-    <dgm:pt modelId="{E3EB3AB6-38D5-47C8-8905-4B50A01812F5}" type="pres">
+    <dgm:pt modelId="{55ABC1A7-136A-483A-A058-35990D8F6CC3}" type="pres">
       <dgm:prSet presAssocID="{470C8357-A44E-4B2D-A59E-4CD225F7927C}" presName="compNode" presStyleCnt="0"/>
       <dgm:spPr/>
     </dgm:pt>
-    <dgm:pt modelId="{AF5BC8AD-B5DB-44FD-8418-F11400B14B51}" type="pres">
+    <dgm:pt modelId="{15F38BEF-6030-4B10-BFF2-2C904FE65044}" type="pres">
       <dgm:prSet presAssocID="{470C8357-A44E-4B2D-A59E-4CD225F7927C}" presName="iconBgRect" presStyleLbl="bgShp" presStyleIdx="3" presStyleCnt="7"/>
       <dgm:spPr/>
     </dgm:pt>
-    <dgm:pt modelId="{A63DD857-6496-4C09-BD5C-173E3FD7A5A0}" type="pres">
+    <dgm:pt modelId="{40014EC6-2523-4476-9212-B0DEC26DE306}" type="pres">
       <dgm:prSet presAssocID="{470C8357-A44E-4B2D-A59E-4CD225F7927C}" presName="iconRect" presStyleLbl="node1" presStyleIdx="3" presStyleCnt="7"/>
       <dgm:spPr>
         <a:blipFill>
@@ -1531,15 +1584,15 @@
       </dgm:spPr>
       <dgm:extLst>
         <a:ext uri="{E40237B7-FDA0-4F09-8148-C483321AD2D9}">
-          <dgm14:cNvPr xmlns:dgm14="http://schemas.microsoft.com/office/drawing/2010/diagram" id="0" name="" descr="Design"/>
+          <dgm14:cNvPr xmlns:dgm14="http://schemas.microsoft.com/office/drawing/2010/diagram" id="0" name="" descr="Workflow"/>
         </a:ext>
       </dgm:extLst>
     </dgm:pt>
-    <dgm:pt modelId="{00871622-B978-4040-95D3-A3D9A0B41798}" type="pres">
+    <dgm:pt modelId="{F934FF9D-98CE-4E2B-8E53-10E8E503979D}" type="pres">
       <dgm:prSet presAssocID="{470C8357-A44E-4B2D-A59E-4CD225F7927C}" presName="spaceRect" presStyleCnt="0"/>
       <dgm:spPr/>
     </dgm:pt>
-    <dgm:pt modelId="{CA91993A-24B0-4A83-85F4-EE4567AD2FC4}" type="pres">
+    <dgm:pt modelId="{CDFE13DC-3BDC-4F8F-89F7-8E476264AA76}" type="pres">
       <dgm:prSet presAssocID="{470C8357-A44E-4B2D-A59E-4CD225F7927C}" presName="textRect" presStyleLbl="revTx" presStyleIdx="3" presStyleCnt="7">
         <dgm:presLayoutVars>
           <dgm:chMax val="1"/>
@@ -1548,19 +1601,19 @@
       </dgm:prSet>
       <dgm:spPr/>
     </dgm:pt>
-    <dgm:pt modelId="{9E4B0E6B-FB4E-49D4-B6A0-4113160FC26B}" type="pres">
-      <dgm:prSet presAssocID="{BC8ABE7E-4D43-4D97-819B-24798CA95696}" presName="sibTrans" presStyleCnt="0"/>
+    <dgm:pt modelId="{C53BA8C7-7BA4-4D52-AB5E-4F64B7159AB1}" type="pres">
+      <dgm:prSet presAssocID="{BC8ABE7E-4D43-4D97-819B-24798CA95696}" presName="sibTrans" presStyleLbl="sibTrans2D1" presStyleIdx="0" presStyleCnt="0"/>
       <dgm:spPr/>
     </dgm:pt>
-    <dgm:pt modelId="{44B7DDB0-680E-481F-B7B7-2A11B17172B0}" type="pres">
+    <dgm:pt modelId="{B8E9D22E-BEF4-4BE4-AB5D-11F8706E090E}" type="pres">
       <dgm:prSet presAssocID="{5F0FCD8D-1C84-423A-9FAB-C0F692FA1F44}" presName="compNode" presStyleCnt="0"/>
       <dgm:spPr/>
     </dgm:pt>
-    <dgm:pt modelId="{B29A5D2B-2FD0-4AB3-AABF-D47B2D3279BA}" type="pres">
+    <dgm:pt modelId="{4900F163-8ACF-4139-8DB2-20B4B2359B26}" type="pres">
       <dgm:prSet presAssocID="{5F0FCD8D-1C84-423A-9FAB-C0F692FA1F44}" presName="iconBgRect" presStyleLbl="bgShp" presStyleIdx="4" presStyleCnt="7"/>
       <dgm:spPr/>
     </dgm:pt>
-    <dgm:pt modelId="{7F38ADDA-E639-45EA-8254-B2C854FC21BF}" type="pres">
+    <dgm:pt modelId="{381A7CE0-FB75-4B14-B91C-574AD97C947E}" type="pres">
       <dgm:prSet presAssocID="{5F0FCD8D-1C84-423A-9FAB-C0F692FA1F44}" presName="iconRect" presStyleLbl="node1" presStyleIdx="4" presStyleCnt="7"/>
       <dgm:spPr>
         <a:blipFill>
@@ -1584,15 +1637,15 @@
       </dgm:spPr>
       <dgm:extLst>
         <a:ext uri="{E40237B7-FDA0-4F09-8148-C483321AD2D9}">
-          <dgm14:cNvPr xmlns:dgm14="http://schemas.microsoft.com/office/drawing/2010/diagram" id="0" name="" descr="History"/>
+          <dgm14:cNvPr xmlns:dgm14="http://schemas.microsoft.com/office/drawing/2010/diagram" id="0" name="" descr="Head with Gears"/>
         </a:ext>
       </dgm:extLst>
     </dgm:pt>
-    <dgm:pt modelId="{E1D60F8A-FAD9-4D43-ADAB-2DB93BFA27DE}" type="pres">
+    <dgm:pt modelId="{CB3F7016-658D-4C1F-9EBD-866CB4CFE6A6}" type="pres">
       <dgm:prSet presAssocID="{5F0FCD8D-1C84-423A-9FAB-C0F692FA1F44}" presName="spaceRect" presStyleCnt="0"/>
       <dgm:spPr/>
     </dgm:pt>
-    <dgm:pt modelId="{044B05BC-6F76-44E1-93AC-A9454A559B39}" type="pres">
+    <dgm:pt modelId="{9CCD1575-ADEC-4C0B-A0FA-17FC1BAA6B20}" type="pres">
       <dgm:prSet presAssocID="{5F0FCD8D-1C84-423A-9FAB-C0F692FA1F44}" presName="textRect" presStyleLbl="revTx" presStyleIdx="4" presStyleCnt="7">
         <dgm:presLayoutVars>
           <dgm:chMax val="1"/>
@@ -1601,19 +1654,19 @@
       </dgm:prSet>
       <dgm:spPr/>
     </dgm:pt>
-    <dgm:pt modelId="{123AB2E4-AB41-4094-9FA6-253E000AD652}" type="pres">
-      <dgm:prSet presAssocID="{49A0132C-A975-41BB-B5F3-26682ADD10D9}" presName="sibTrans" presStyleCnt="0"/>
+    <dgm:pt modelId="{66C7984E-8BB2-4128-85F5-C77932C07A00}" type="pres">
+      <dgm:prSet presAssocID="{49A0132C-A975-41BB-B5F3-26682ADD10D9}" presName="sibTrans" presStyleLbl="sibTrans2D1" presStyleIdx="0" presStyleCnt="0"/>
       <dgm:spPr/>
     </dgm:pt>
-    <dgm:pt modelId="{00B79BBC-AA1B-42E6-A26E-BDE6223B0E47}" type="pres">
+    <dgm:pt modelId="{F26FAB82-2F38-45AF-9629-56FF6B11B562}" type="pres">
       <dgm:prSet presAssocID="{65C02DDC-A282-46A6-83BF-0968FE24F47F}" presName="compNode" presStyleCnt="0"/>
       <dgm:spPr/>
     </dgm:pt>
-    <dgm:pt modelId="{02D5FCEE-F978-4D8F-969C-42F8C7E57F42}" type="pres">
+    <dgm:pt modelId="{DC99B5F6-130D-45D3-BC37-2CCBFB69CFC4}" type="pres">
       <dgm:prSet presAssocID="{65C02DDC-A282-46A6-83BF-0968FE24F47F}" presName="iconBgRect" presStyleLbl="bgShp" presStyleIdx="5" presStyleCnt="7"/>
       <dgm:spPr/>
     </dgm:pt>
-    <dgm:pt modelId="{D027A2D9-0A11-41E9-9CD8-ADC565BED7B5}" type="pres">
+    <dgm:pt modelId="{A03C751F-0C7E-41C7-BC7E-003B195B7090}" type="pres">
       <dgm:prSet presAssocID="{65C02DDC-A282-46A6-83BF-0968FE24F47F}" presName="iconRect" presStyleLbl="node1" presStyleIdx="5" presStyleCnt="7"/>
       <dgm:spPr>
         <a:blipFill>
@@ -1641,11 +1694,11 @@
         </a:ext>
       </dgm:extLst>
     </dgm:pt>
-    <dgm:pt modelId="{D4A7F6CB-A3C9-453C-859F-EE72F4D6824C}" type="pres">
+    <dgm:pt modelId="{F4AC6D39-E475-4108-812E-D9F8C7C961A4}" type="pres">
       <dgm:prSet presAssocID="{65C02DDC-A282-46A6-83BF-0968FE24F47F}" presName="spaceRect" presStyleCnt="0"/>
       <dgm:spPr/>
     </dgm:pt>
-    <dgm:pt modelId="{771CAF18-4D0C-4574-BE79-12E6FA072A6B}" type="pres">
+    <dgm:pt modelId="{05764B62-625C-496D-9B2F-76526CF737C5}" type="pres">
       <dgm:prSet presAssocID="{65C02DDC-A282-46A6-83BF-0968FE24F47F}" presName="textRect" presStyleLbl="revTx" presStyleIdx="5" presStyleCnt="7">
         <dgm:presLayoutVars>
           <dgm:chMax val="1"/>
@@ -1654,19 +1707,19 @@
       </dgm:prSet>
       <dgm:spPr/>
     </dgm:pt>
-    <dgm:pt modelId="{2F804838-BA6A-44FE-B788-FE38C0E8438A}" type="pres">
-      <dgm:prSet presAssocID="{F0FC9D3E-962A-43C3-8E00-53D717FBD753}" presName="sibTrans" presStyleCnt="0"/>
+    <dgm:pt modelId="{0D1F0764-E1A7-4CEB-80D2-5B79DBE9480B}" type="pres">
+      <dgm:prSet presAssocID="{F0FC9D3E-962A-43C3-8E00-53D717FBD753}" presName="sibTrans" presStyleLbl="sibTrans2D1" presStyleIdx="0" presStyleCnt="0"/>
       <dgm:spPr/>
     </dgm:pt>
-    <dgm:pt modelId="{E4D76D7E-497B-49F1-894C-9AA59794A4E1}" type="pres">
+    <dgm:pt modelId="{55BEB8F6-51AD-45DA-93E2-92A52E195CC6}" type="pres">
       <dgm:prSet presAssocID="{03594CF6-8C3C-44D6-A357-C4F140E01CB7}" presName="compNode" presStyleCnt="0"/>
       <dgm:spPr/>
     </dgm:pt>
-    <dgm:pt modelId="{363AE795-66BC-4A87-92EC-D95C34802352}" type="pres">
+    <dgm:pt modelId="{9A1BD9AE-C8BB-404B-B091-A9F276E64487}" type="pres">
       <dgm:prSet presAssocID="{03594CF6-8C3C-44D6-A357-C4F140E01CB7}" presName="iconBgRect" presStyleLbl="bgShp" presStyleIdx="6" presStyleCnt="7"/>
       <dgm:spPr/>
     </dgm:pt>
-    <dgm:pt modelId="{B9EDA750-B081-45CA-BBA6-69709BAA6F05}" type="pres">
+    <dgm:pt modelId="{B60C69BB-AF29-4272-B0C1-A65539B92F87}" type="pres">
       <dgm:prSet presAssocID="{03594CF6-8C3C-44D6-A357-C4F140E01CB7}" presName="iconRect" presStyleLbl="node1" presStyleIdx="6" presStyleCnt="7"/>
       <dgm:spPr>
         <a:blipFill>
@@ -1694,11 +1747,11 @@
         </a:ext>
       </dgm:extLst>
     </dgm:pt>
-    <dgm:pt modelId="{225D2538-B469-4427-A8A1-8C89E4C55007}" type="pres">
+    <dgm:pt modelId="{1CF8F7D6-CDC3-4521-8001-F2C087A36929}" type="pres">
       <dgm:prSet presAssocID="{03594CF6-8C3C-44D6-A357-C4F140E01CB7}" presName="spaceRect" presStyleCnt="0"/>
       <dgm:spPr/>
     </dgm:pt>
-    <dgm:pt modelId="{EED8CE13-59D2-4C5B-A613-51C4D88CD1AD}" type="pres">
+    <dgm:pt modelId="{32DB17ED-86BF-4DB0-9A2B-FAB3D72A488D}" type="pres">
       <dgm:prSet presAssocID="{03594CF6-8C3C-44D6-A357-C4F140E01CB7}" presName="textRect" presStyleLbl="revTx" presStyleIdx="6" presStyleCnt="7">
         <dgm:presLayoutVars>
           <dgm:chMax val="1"/>
@@ -1709,62 +1762,69 @@
     </dgm:pt>
   </dgm:ptLst>
   <dgm:cxnLst>
-    <dgm:cxn modelId="{AC270C1D-05A5-4CAF-973C-B0A487A352EE}" type="presOf" srcId="{5F0FCD8D-1C84-423A-9FAB-C0F692FA1F44}" destId="{044B05BC-6F76-44E1-93AC-A9454A559B39}" srcOrd="0" destOrd="0" presId="urn:microsoft.com/office/officeart/2018/5/layout/IconCircleLabelList"/>
-    <dgm:cxn modelId="{123F2628-616B-4C07-BAF7-1697DD4EC386}" type="presOf" srcId="{106410D9-6EF9-4DB3-8B5E-6A89A46E65BE}" destId="{B5625853-7E9D-40EA-AF34-A529C4C157F8}" srcOrd="0" destOrd="0" presId="urn:microsoft.com/office/officeart/2018/5/layout/IconCircleLabelList"/>
+    <dgm:cxn modelId="{C9923F1A-49C0-4EC5-9E43-F8C28640DE8A}" type="presOf" srcId="{9787AF64-2BE7-419D-B581-0D5B7AF33DCD}" destId="{1F0B7825-87B0-483B-8337-EB9666E69B6F}" srcOrd="0" destOrd="0" presId="urn:microsoft.com/office/officeart/2018/2/layout/IconCircleList"/>
     <dgm:cxn modelId="{C23FB12B-1F3C-4CEC-93D3-15A4FD0C48C3}" srcId="{106410D9-6EF9-4DB3-8B5E-6A89A46E65BE}" destId="{D0140D44-B78A-4F61-9715-C800D1B73438}" srcOrd="2" destOrd="0" parTransId="{962CAA17-CCAD-4E4A-8A63-0DDFC0318BAC}" sibTransId="{15A25608-FAB0-4BB0-A8BF-770A65A94393}"/>
-    <dgm:cxn modelId="{AC297B35-CECC-4D44-98B1-4DF1D7918685}" type="presOf" srcId="{470C8357-A44E-4B2D-A59E-4CD225F7927C}" destId="{CA91993A-24B0-4A83-85F4-EE4567AD2FC4}" srcOrd="0" destOrd="0" presId="urn:microsoft.com/office/officeart/2018/5/layout/IconCircleLabelList"/>
     <dgm:cxn modelId="{6B671E3D-8393-4C77-B592-D40F7FB208DD}" srcId="{106410D9-6EF9-4DB3-8B5E-6A89A46E65BE}" destId="{6F3061E5-F0BC-43C4-B76A-87A702F35852}" srcOrd="1" destOrd="0" parTransId="{0F485984-BD63-4D8A-85E9-188E47C38A1C}" sibTransId="{9787AF64-2BE7-419D-B581-0D5B7AF33DCD}"/>
-    <dgm:cxn modelId="{CD59473F-BAB7-41EB-ADA1-E36C967ACE41}" type="presOf" srcId="{03594CF6-8C3C-44D6-A357-C4F140E01CB7}" destId="{EED8CE13-59D2-4C5B-A613-51C4D88CD1AD}" srcOrd="0" destOrd="0" presId="urn:microsoft.com/office/officeart/2018/5/layout/IconCircleLabelList"/>
-    <dgm:cxn modelId="{AD298E42-0ADA-460E-824C-DF245D7B8DF9}" type="presOf" srcId="{65C02DDC-A282-46A6-83BF-0968FE24F47F}" destId="{771CAF18-4D0C-4574-BE79-12E6FA072A6B}" srcOrd="0" destOrd="0" presId="urn:microsoft.com/office/officeart/2018/5/layout/IconCircleLabelList"/>
-    <dgm:cxn modelId="{39C42A49-D747-495E-A8F4-A1ACB92FCEC2}" type="presOf" srcId="{1DBE04E8-4550-4B63-915A-5F2F6BD6D329}" destId="{547B9F48-3436-4521-B495-544643A78B37}" srcOrd="0" destOrd="0" presId="urn:microsoft.com/office/officeart/2018/5/layout/IconCircleLabelList"/>
+    <dgm:cxn modelId="{F2BFB94F-87A7-46C2-8F14-3DE1B4FA2EB8}" type="presOf" srcId="{49A0132C-A975-41BB-B5F3-26682ADD10D9}" destId="{66C7984E-8BB2-4128-85F5-C77932C07A00}" srcOrd="0" destOrd="0" presId="urn:microsoft.com/office/officeart/2018/2/layout/IconCircleList"/>
+    <dgm:cxn modelId="{570CB453-A5DA-4BC4-8065-AFE713B1D9FB}" type="presOf" srcId="{106410D9-6EF9-4DB3-8B5E-6A89A46E65BE}" destId="{56DFFCB1-BB45-4ACD-B0C5-28E1A88C431E}" srcOrd="0" destOrd="0" presId="urn:microsoft.com/office/officeart/2018/2/layout/IconCircleList"/>
     <dgm:cxn modelId="{5C245C59-88C1-43B8-94E8-7E352A95C938}" srcId="{106410D9-6EF9-4DB3-8B5E-6A89A46E65BE}" destId="{470C8357-A44E-4B2D-A59E-4CD225F7927C}" srcOrd="3" destOrd="0" parTransId="{EA1C7F5C-3E6E-4DDB-B28C-5224A0860746}" sibTransId="{BC8ABE7E-4D43-4D97-819B-24798CA95696}"/>
+    <dgm:cxn modelId="{5C56AC83-D286-4EE9-B302-0A89E3FE60FC}" type="presOf" srcId="{BC8ABE7E-4D43-4D97-819B-24798CA95696}" destId="{C53BA8C7-7BA4-4D52-AB5E-4F64B7159AB1}" srcOrd="0" destOrd="0" presId="urn:microsoft.com/office/officeart/2018/2/layout/IconCircleList"/>
+    <dgm:cxn modelId="{F8AFF884-2DB3-49C7-BD94-B103E3AA6A74}" type="presOf" srcId="{1DBE04E8-4550-4B63-915A-5F2F6BD6D329}" destId="{7F1BD2CE-2B87-4105-9519-D8A897B0E91B}" srcOrd="0" destOrd="0" presId="urn:microsoft.com/office/officeart/2018/2/layout/IconCircleList"/>
     <dgm:cxn modelId="{D265FD88-C8FE-4707-9E47-BC93769451B5}" srcId="{106410D9-6EF9-4DB3-8B5E-6A89A46E65BE}" destId="{5F0FCD8D-1C84-423A-9FAB-C0F692FA1F44}" srcOrd="4" destOrd="0" parTransId="{82B488C9-E5E9-4FF4-AB6A-B7C70E781BB8}" sibTransId="{49A0132C-A975-41BB-B5F3-26682ADD10D9}"/>
-    <dgm:cxn modelId="{CD2F749E-E67C-4EFC-A565-52FDFB7CE440}" type="presOf" srcId="{D0140D44-B78A-4F61-9715-C800D1B73438}" destId="{2C487354-2E6B-490E-810A-765842D826DB}" srcOrd="0" destOrd="0" presId="urn:microsoft.com/office/officeart/2018/5/layout/IconCircleLabelList"/>
+    <dgm:cxn modelId="{9083978A-BA9A-4780-AF38-52476027CD70}" type="presOf" srcId="{03594CF6-8C3C-44D6-A357-C4F140E01CB7}" destId="{32DB17ED-86BF-4DB0-9A2B-FAB3D72A488D}" srcOrd="0" destOrd="0" presId="urn:microsoft.com/office/officeart/2018/2/layout/IconCircleList"/>
+    <dgm:cxn modelId="{DA53D493-77E5-4977-AB09-AF3DC47D44B1}" type="presOf" srcId="{D0140D44-B78A-4F61-9715-C800D1B73438}" destId="{3EA72870-D74B-4039-8D54-44B4E0002CA4}" srcOrd="0" destOrd="0" presId="urn:microsoft.com/office/officeart/2018/2/layout/IconCircleList"/>
+    <dgm:cxn modelId="{17B7E8B3-88C9-492B-AAF4-B145026CB211}" type="presOf" srcId="{15A25608-FAB0-4BB0-A8BF-770A65A94393}" destId="{0C582C45-D826-41D6-8A9F-47AF74C0BDD2}" srcOrd="0" destOrd="0" presId="urn:microsoft.com/office/officeart/2018/2/layout/IconCircleList"/>
+    <dgm:cxn modelId="{4CCB2BB6-C1A8-47FD-9005-38059F5FCFCA}" type="presOf" srcId="{5F0FCD8D-1C84-423A-9FAB-C0F692FA1F44}" destId="{9CCD1575-ADEC-4C0B-A0FA-17FC1BAA6B20}" srcOrd="0" destOrd="0" presId="urn:microsoft.com/office/officeart/2018/2/layout/IconCircleList"/>
+    <dgm:cxn modelId="{84FB6CB7-21D5-42EA-8D4D-F1BD2BB3B855}" type="presOf" srcId="{65C02DDC-A282-46A6-83BF-0968FE24F47F}" destId="{05764B62-625C-496D-9B2F-76526CF737C5}" srcOrd="0" destOrd="0" presId="urn:microsoft.com/office/officeart/2018/2/layout/IconCircleList"/>
+    <dgm:cxn modelId="{826B68B8-E282-477B-9EA6-ADC7EE0362FD}" type="presOf" srcId="{9271D2B6-FB5F-49C3-B389-A6A5771F7794}" destId="{7BDAB59D-80F9-4B07-A5E3-6C8210E1C61C}" srcOrd="0" destOrd="0" presId="urn:microsoft.com/office/officeart/2018/2/layout/IconCircleList"/>
     <dgm:cxn modelId="{EFA106BC-EBEF-42A5-98A3-371F418020DE}" srcId="{106410D9-6EF9-4DB3-8B5E-6A89A46E65BE}" destId="{1DBE04E8-4550-4B63-915A-5F2F6BD6D329}" srcOrd="0" destOrd="0" parTransId="{F79EC86F-CFED-4AB1-858C-C6802E315831}" sibTransId="{9271D2B6-FB5F-49C3-B389-A6A5771F7794}"/>
+    <dgm:cxn modelId="{84A96DCB-99CE-4763-B1CB-CB2C8E38364D}" type="presOf" srcId="{6F3061E5-F0BC-43C4-B76A-87A702F35852}" destId="{5B8C03C4-87A8-4CA2-93CB-4F37918BBB63}" srcOrd="0" destOrd="0" presId="urn:microsoft.com/office/officeart/2018/2/layout/IconCircleList"/>
     <dgm:cxn modelId="{7CC00FCD-E966-4F5B-B2A0-F1664EB631E5}" srcId="{106410D9-6EF9-4DB3-8B5E-6A89A46E65BE}" destId="{03594CF6-8C3C-44D6-A357-C4F140E01CB7}" srcOrd="6" destOrd="0" parTransId="{5A4488AF-0C46-4E3D-89A1-B13A938632F3}" sibTransId="{B465E460-B229-42FC-843F-C730FD6FB15C}"/>
+    <dgm:cxn modelId="{ECE7A9D1-9866-4163-9CBD-D7BFD9563B5E}" type="presOf" srcId="{F0FC9D3E-962A-43C3-8E00-53D717FBD753}" destId="{0D1F0764-E1A7-4CEB-80D2-5B79DBE9480B}" srcOrd="0" destOrd="0" presId="urn:microsoft.com/office/officeart/2018/2/layout/IconCircleList"/>
     <dgm:cxn modelId="{0CF585D6-8BF0-4F58-8B1E-020D48B2AB2C}" srcId="{106410D9-6EF9-4DB3-8B5E-6A89A46E65BE}" destId="{65C02DDC-A282-46A6-83BF-0968FE24F47F}" srcOrd="5" destOrd="0" parTransId="{DCF3A1DA-AC48-42BF-BF30-A94BB4B22603}" sibTransId="{F0FC9D3E-962A-43C3-8E00-53D717FBD753}"/>
-    <dgm:cxn modelId="{82FFA8E9-0E6B-4665-BDAB-20D6ED19C275}" type="presOf" srcId="{6F3061E5-F0BC-43C4-B76A-87A702F35852}" destId="{FE3D7135-708E-42FF-A2EF-D465970C2325}" srcOrd="0" destOrd="0" presId="urn:microsoft.com/office/officeart/2018/5/layout/IconCircleLabelList"/>
-    <dgm:cxn modelId="{A73AC1D6-FCD8-41DE-AD42-1FBA5BAD19CF}" type="presParOf" srcId="{B5625853-7E9D-40EA-AF34-A529C4C157F8}" destId="{D4188F1F-0C33-4D3A-B857-DCC442D5E35B}" srcOrd="0" destOrd="0" presId="urn:microsoft.com/office/officeart/2018/5/layout/IconCircleLabelList"/>
-    <dgm:cxn modelId="{D90967C6-95D3-486A-A079-65BB90928EEC}" type="presParOf" srcId="{D4188F1F-0C33-4D3A-B857-DCC442D5E35B}" destId="{AF03FEB0-D2A3-4EE7-A60D-F3C61B59D56E}" srcOrd="0" destOrd="0" presId="urn:microsoft.com/office/officeart/2018/5/layout/IconCircleLabelList"/>
-    <dgm:cxn modelId="{F29A8F68-A32E-4071-8985-760E94E03766}" type="presParOf" srcId="{D4188F1F-0C33-4D3A-B857-DCC442D5E35B}" destId="{366F24DD-1791-4AD9-8718-249C7D9C5E3C}" srcOrd="1" destOrd="0" presId="urn:microsoft.com/office/officeart/2018/5/layout/IconCircleLabelList"/>
-    <dgm:cxn modelId="{DA2093CC-E324-4A40-9CA0-79FAFC5AA389}" type="presParOf" srcId="{D4188F1F-0C33-4D3A-B857-DCC442D5E35B}" destId="{0355B5CC-AE58-41DB-9113-79787A8C6365}" srcOrd="2" destOrd="0" presId="urn:microsoft.com/office/officeart/2018/5/layout/IconCircleLabelList"/>
-    <dgm:cxn modelId="{09CF626D-E500-4BEE-9EE4-75D24959934A}" type="presParOf" srcId="{D4188F1F-0C33-4D3A-B857-DCC442D5E35B}" destId="{547B9F48-3436-4521-B495-544643A78B37}" srcOrd="3" destOrd="0" presId="urn:microsoft.com/office/officeart/2018/5/layout/IconCircleLabelList"/>
-    <dgm:cxn modelId="{AE1E8E86-472C-433F-95F8-44689D918084}" type="presParOf" srcId="{B5625853-7E9D-40EA-AF34-A529C4C157F8}" destId="{8E8A29C0-B963-44BB-BD37-F8D5768EA923}" srcOrd="1" destOrd="0" presId="urn:microsoft.com/office/officeart/2018/5/layout/IconCircleLabelList"/>
-    <dgm:cxn modelId="{B3354ACA-0896-444B-B46D-EB4393B1CB92}" type="presParOf" srcId="{B5625853-7E9D-40EA-AF34-A529C4C157F8}" destId="{E7B5DAA1-4B18-4BDA-939A-6647BCBB4166}" srcOrd="2" destOrd="0" presId="urn:microsoft.com/office/officeart/2018/5/layout/IconCircleLabelList"/>
-    <dgm:cxn modelId="{252AE4E4-DF02-45DB-B320-1C4742445045}" type="presParOf" srcId="{E7B5DAA1-4B18-4BDA-939A-6647BCBB4166}" destId="{CDEF5C54-799B-4117-AB1E-870F5BA27EC9}" srcOrd="0" destOrd="0" presId="urn:microsoft.com/office/officeart/2018/5/layout/IconCircleLabelList"/>
-    <dgm:cxn modelId="{66131B83-3834-40DB-9AD5-E24B83FEE9C3}" type="presParOf" srcId="{E7B5DAA1-4B18-4BDA-939A-6647BCBB4166}" destId="{70073F15-ADE8-4410-9A7B-D2F5E063D18F}" srcOrd="1" destOrd="0" presId="urn:microsoft.com/office/officeart/2018/5/layout/IconCircleLabelList"/>
-    <dgm:cxn modelId="{A72D7344-F35A-4DC4-AD48-78FEC116BC78}" type="presParOf" srcId="{E7B5DAA1-4B18-4BDA-939A-6647BCBB4166}" destId="{B17194C0-437B-4D42-A3AE-B902E47A6C5C}" srcOrd="2" destOrd="0" presId="urn:microsoft.com/office/officeart/2018/5/layout/IconCircleLabelList"/>
-    <dgm:cxn modelId="{BB56CDC4-B203-45CF-8422-23A327063AFD}" type="presParOf" srcId="{E7B5DAA1-4B18-4BDA-939A-6647BCBB4166}" destId="{FE3D7135-708E-42FF-A2EF-D465970C2325}" srcOrd="3" destOrd="0" presId="urn:microsoft.com/office/officeart/2018/5/layout/IconCircleLabelList"/>
-    <dgm:cxn modelId="{173BE26A-0608-4906-97A8-880DCE2ADEBD}" type="presParOf" srcId="{B5625853-7E9D-40EA-AF34-A529C4C157F8}" destId="{664F89DE-23F7-482E-8F71-BA5F2472DCEC}" srcOrd="3" destOrd="0" presId="urn:microsoft.com/office/officeart/2018/5/layout/IconCircleLabelList"/>
-    <dgm:cxn modelId="{B4DC2261-45AF-464D-ACCB-A7DBE03ECE69}" type="presParOf" srcId="{B5625853-7E9D-40EA-AF34-A529C4C157F8}" destId="{9D080F65-69AE-471F-A176-053FDC2824C6}" srcOrd="4" destOrd="0" presId="urn:microsoft.com/office/officeart/2018/5/layout/IconCircleLabelList"/>
-    <dgm:cxn modelId="{A0C01AEC-F2D1-42A2-A3F7-DC9648E2F7BD}" type="presParOf" srcId="{9D080F65-69AE-471F-A176-053FDC2824C6}" destId="{1E66DDE4-36DB-4128-A806-976D8BDA59BA}" srcOrd="0" destOrd="0" presId="urn:microsoft.com/office/officeart/2018/5/layout/IconCircleLabelList"/>
-    <dgm:cxn modelId="{33010ED0-3DFE-4712-A8B5-9C7424734298}" type="presParOf" srcId="{9D080F65-69AE-471F-A176-053FDC2824C6}" destId="{C027B083-F5E7-471A-9EC7-889ABBEA6231}" srcOrd="1" destOrd="0" presId="urn:microsoft.com/office/officeart/2018/5/layout/IconCircleLabelList"/>
-    <dgm:cxn modelId="{80F3C9F0-0B9F-42D0-A947-EEF6C761B79C}" type="presParOf" srcId="{9D080F65-69AE-471F-A176-053FDC2824C6}" destId="{DFF6EF65-64C0-4F4F-BE8E-B0859EDF8ADF}" srcOrd="2" destOrd="0" presId="urn:microsoft.com/office/officeart/2018/5/layout/IconCircleLabelList"/>
-    <dgm:cxn modelId="{671CF77C-C564-460F-B220-BA42C870A0F8}" type="presParOf" srcId="{9D080F65-69AE-471F-A176-053FDC2824C6}" destId="{2C487354-2E6B-490E-810A-765842D826DB}" srcOrd="3" destOrd="0" presId="urn:microsoft.com/office/officeart/2018/5/layout/IconCircleLabelList"/>
-    <dgm:cxn modelId="{17B66B06-FB0A-4F4B-A48A-F5F66B7CD45A}" type="presParOf" srcId="{B5625853-7E9D-40EA-AF34-A529C4C157F8}" destId="{3F9062F7-9C69-4F38-8915-4BF11BC17A0F}" srcOrd="5" destOrd="0" presId="urn:microsoft.com/office/officeart/2018/5/layout/IconCircleLabelList"/>
-    <dgm:cxn modelId="{BE006B49-018A-4010-B659-D51378B4E4C1}" type="presParOf" srcId="{B5625853-7E9D-40EA-AF34-A529C4C157F8}" destId="{E3EB3AB6-38D5-47C8-8905-4B50A01812F5}" srcOrd="6" destOrd="0" presId="urn:microsoft.com/office/officeart/2018/5/layout/IconCircleLabelList"/>
-    <dgm:cxn modelId="{DC99B1AF-B1F7-4AC3-AD8F-CDF35FC7EE51}" type="presParOf" srcId="{E3EB3AB6-38D5-47C8-8905-4B50A01812F5}" destId="{AF5BC8AD-B5DB-44FD-8418-F11400B14B51}" srcOrd="0" destOrd="0" presId="urn:microsoft.com/office/officeart/2018/5/layout/IconCircleLabelList"/>
-    <dgm:cxn modelId="{E7122AC6-8962-4314-9F78-C46E18180E4C}" type="presParOf" srcId="{E3EB3AB6-38D5-47C8-8905-4B50A01812F5}" destId="{A63DD857-6496-4C09-BD5C-173E3FD7A5A0}" srcOrd="1" destOrd="0" presId="urn:microsoft.com/office/officeart/2018/5/layout/IconCircleLabelList"/>
-    <dgm:cxn modelId="{094161AF-5C57-44EA-A574-0B9EB0208785}" type="presParOf" srcId="{E3EB3AB6-38D5-47C8-8905-4B50A01812F5}" destId="{00871622-B978-4040-95D3-A3D9A0B41798}" srcOrd="2" destOrd="0" presId="urn:microsoft.com/office/officeart/2018/5/layout/IconCircleLabelList"/>
-    <dgm:cxn modelId="{7442CB7C-6672-4A2A-B686-ECF104FBF97A}" type="presParOf" srcId="{E3EB3AB6-38D5-47C8-8905-4B50A01812F5}" destId="{CA91993A-24B0-4A83-85F4-EE4567AD2FC4}" srcOrd="3" destOrd="0" presId="urn:microsoft.com/office/officeart/2018/5/layout/IconCircleLabelList"/>
-    <dgm:cxn modelId="{0A02F42C-D9B1-4B54-8F6B-A91E341F6A38}" type="presParOf" srcId="{B5625853-7E9D-40EA-AF34-A529C4C157F8}" destId="{9E4B0E6B-FB4E-49D4-B6A0-4113160FC26B}" srcOrd="7" destOrd="0" presId="urn:microsoft.com/office/officeart/2018/5/layout/IconCircleLabelList"/>
-    <dgm:cxn modelId="{FD3F0635-9212-44A5-9257-5604D838378B}" type="presParOf" srcId="{B5625853-7E9D-40EA-AF34-A529C4C157F8}" destId="{44B7DDB0-680E-481F-B7B7-2A11B17172B0}" srcOrd="8" destOrd="0" presId="urn:microsoft.com/office/officeart/2018/5/layout/IconCircleLabelList"/>
-    <dgm:cxn modelId="{107EC9EF-0C7F-43D2-BE16-6695651FE3C9}" type="presParOf" srcId="{44B7DDB0-680E-481F-B7B7-2A11B17172B0}" destId="{B29A5D2B-2FD0-4AB3-AABF-D47B2D3279BA}" srcOrd="0" destOrd="0" presId="urn:microsoft.com/office/officeart/2018/5/layout/IconCircleLabelList"/>
-    <dgm:cxn modelId="{482D18C6-F266-425B-90DE-C4A3C6E8BFA7}" type="presParOf" srcId="{44B7DDB0-680E-481F-B7B7-2A11B17172B0}" destId="{7F38ADDA-E639-45EA-8254-B2C854FC21BF}" srcOrd="1" destOrd="0" presId="urn:microsoft.com/office/officeart/2018/5/layout/IconCircleLabelList"/>
-    <dgm:cxn modelId="{B4584CB5-988D-4918-83E0-3B1CA12DD201}" type="presParOf" srcId="{44B7DDB0-680E-481F-B7B7-2A11B17172B0}" destId="{E1D60F8A-FAD9-4D43-ADAB-2DB93BFA27DE}" srcOrd="2" destOrd="0" presId="urn:microsoft.com/office/officeart/2018/5/layout/IconCircleLabelList"/>
-    <dgm:cxn modelId="{918C40A4-ED3D-4452-836E-EB53241FAA7E}" type="presParOf" srcId="{44B7DDB0-680E-481F-B7B7-2A11B17172B0}" destId="{044B05BC-6F76-44E1-93AC-A9454A559B39}" srcOrd="3" destOrd="0" presId="urn:microsoft.com/office/officeart/2018/5/layout/IconCircleLabelList"/>
-    <dgm:cxn modelId="{9C5E841E-5032-4F44-AE33-1BCE6375E9E2}" type="presParOf" srcId="{B5625853-7E9D-40EA-AF34-A529C4C157F8}" destId="{123AB2E4-AB41-4094-9FA6-253E000AD652}" srcOrd="9" destOrd="0" presId="urn:microsoft.com/office/officeart/2018/5/layout/IconCircleLabelList"/>
-    <dgm:cxn modelId="{301E0CE0-DAD9-4FE5-A87D-1664B184A598}" type="presParOf" srcId="{B5625853-7E9D-40EA-AF34-A529C4C157F8}" destId="{00B79BBC-AA1B-42E6-A26E-BDE6223B0E47}" srcOrd="10" destOrd="0" presId="urn:microsoft.com/office/officeart/2018/5/layout/IconCircleLabelList"/>
-    <dgm:cxn modelId="{13B41EC1-1DCB-4095-AFC2-621819974E5A}" type="presParOf" srcId="{00B79BBC-AA1B-42E6-A26E-BDE6223B0E47}" destId="{02D5FCEE-F978-4D8F-969C-42F8C7E57F42}" srcOrd="0" destOrd="0" presId="urn:microsoft.com/office/officeart/2018/5/layout/IconCircleLabelList"/>
-    <dgm:cxn modelId="{366D0C7E-CC3E-4FC6-99C9-8543CC13437E}" type="presParOf" srcId="{00B79BBC-AA1B-42E6-A26E-BDE6223B0E47}" destId="{D027A2D9-0A11-41E9-9CD8-ADC565BED7B5}" srcOrd="1" destOrd="0" presId="urn:microsoft.com/office/officeart/2018/5/layout/IconCircleLabelList"/>
-    <dgm:cxn modelId="{4FEBED2A-942C-4544-AA35-9F4518DF46BF}" type="presParOf" srcId="{00B79BBC-AA1B-42E6-A26E-BDE6223B0E47}" destId="{D4A7F6CB-A3C9-453C-859F-EE72F4D6824C}" srcOrd="2" destOrd="0" presId="urn:microsoft.com/office/officeart/2018/5/layout/IconCircleLabelList"/>
-    <dgm:cxn modelId="{847DE5E5-2C2C-4D9C-B9DB-B65D0C71EF16}" type="presParOf" srcId="{00B79BBC-AA1B-42E6-A26E-BDE6223B0E47}" destId="{771CAF18-4D0C-4574-BE79-12E6FA072A6B}" srcOrd="3" destOrd="0" presId="urn:microsoft.com/office/officeart/2018/5/layout/IconCircleLabelList"/>
-    <dgm:cxn modelId="{729BB8F5-9305-4F09-9A1E-F5ED983C6BCE}" type="presParOf" srcId="{B5625853-7E9D-40EA-AF34-A529C4C157F8}" destId="{2F804838-BA6A-44FE-B788-FE38C0E8438A}" srcOrd="11" destOrd="0" presId="urn:microsoft.com/office/officeart/2018/5/layout/IconCircleLabelList"/>
-    <dgm:cxn modelId="{B0FA8B6E-0211-46D7-B3A4-C64F1E68BDBB}" type="presParOf" srcId="{B5625853-7E9D-40EA-AF34-A529C4C157F8}" destId="{E4D76D7E-497B-49F1-894C-9AA59794A4E1}" srcOrd="12" destOrd="0" presId="urn:microsoft.com/office/officeart/2018/5/layout/IconCircleLabelList"/>
-    <dgm:cxn modelId="{98335385-ADA0-4616-856D-CAAA68CE0723}" type="presParOf" srcId="{E4D76D7E-497B-49F1-894C-9AA59794A4E1}" destId="{363AE795-66BC-4A87-92EC-D95C34802352}" srcOrd="0" destOrd="0" presId="urn:microsoft.com/office/officeart/2018/5/layout/IconCircleLabelList"/>
-    <dgm:cxn modelId="{94F225A4-D005-4C43-A1AF-A9338D12B5BB}" type="presParOf" srcId="{E4D76D7E-497B-49F1-894C-9AA59794A4E1}" destId="{B9EDA750-B081-45CA-BBA6-69709BAA6F05}" srcOrd="1" destOrd="0" presId="urn:microsoft.com/office/officeart/2018/5/layout/IconCircleLabelList"/>
-    <dgm:cxn modelId="{DA5B3133-78E6-4789-84C2-20C8B2B0C425}" type="presParOf" srcId="{E4D76D7E-497B-49F1-894C-9AA59794A4E1}" destId="{225D2538-B469-4427-A8A1-8C89E4C55007}" srcOrd="2" destOrd="0" presId="urn:microsoft.com/office/officeart/2018/5/layout/IconCircleLabelList"/>
-    <dgm:cxn modelId="{E534E55F-3C6A-4DEE-BBA4-1DE93B949FCE}" type="presParOf" srcId="{E4D76D7E-497B-49F1-894C-9AA59794A4E1}" destId="{EED8CE13-59D2-4C5B-A613-51C4D88CD1AD}" srcOrd="3" destOrd="0" presId="urn:microsoft.com/office/officeart/2018/5/layout/IconCircleLabelList"/>
+    <dgm:cxn modelId="{71348CDA-13CE-4AA0-ACD3-91CED963853F}" type="presOf" srcId="{470C8357-A44E-4B2D-A59E-4CD225F7927C}" destId="{CDFE13DC-3BDC-4F8F-89F7-8E476264AA76}" srcOrd="0" destOrd="0" presId="urn:microsoft.com/office/officeart/2018/2/layout/IconCircleList"/>
+    <dgm:cxn modelId="{DC16519C-BC50-458E-8B0E-69F81C224760}" type="presParOf" srcId="{56DFFCB1-BB45-4ACD-B0C5-28E1A88C431E}" destId="{95821B85-F6EA-4297-BEB7-83AC1B0DA4FE}" srcOrd="0" destOrd="0" presId="urn:microsoft.com/office/officeart/2018/2/layout/IconCircleList"/>
+    <dgm:cxn modelId="{5209F433-FD6B-4A82-85B8-9B7A8ECFC389}" type="presParOf" srcId="{95821B85-F6EA-4297-BEB7-83AC1B0DA4FE}" destId="{3C489264-AABA-42A9-8ECC-658E7C8D504D}" srcOrd="0" destOrd="0" presId="urn:microsoft.com/office/officeart/2018/2/layout/IconCircleList"/>
+    <dgm:cxn modelId="{C5713026-4616-447A-85B9-59AFA86346E1}" type="presParOf" srcId="{3C489264-AABA-42A9-8ECC-658E7C8D504D}" destId="{604ADF43-82A1-4D25-9D95-CE733810CFA8}" srcOrd="0" destOrd="0" presId="urn:microsoft.com/office/officeart/2018/2/layout/IconCircleList"/>
+    <dgm:cxn modelId="{1EBF22D2-D229-4A8F-AB17-878C084C8FF5}" type="presParOf" srcId="{3C489264-AABA-42A9-8ECC-658E7C8D504D}" destId="{6E7DED06-5186-4485-B80C-D0722936E65B}" srcOrd="1" destOrd="0" presId="urn:microsoft.com/office/officeart/2018/2/layout/IconCircleList"/>
+    <dgm:cxn modelId="{E851DCEA-A08B-4E7D-892D-1AD512AE55ED}" type="presParOf" srcId="{3C489264-AABA-42A9-8ECC-658E7C8D504D}" destId="{FC801B21-BBA9-49CF-8334-2D5F6AE1A0C3}" srcOrd="2" destOrd="0" presId="urn:microsoft.com/office/officeart/2018/2/layout/IconCircleList"/>
+    <dgm:cxn modelId="{B543215A-7110-49CE-A830-65773874C97D}" type="presParOf" srcId="{3C489264-AABA-42A9-8ECC-658E7C8D504D}" destId="{7F1BD2CE-2B87-4105-9519-D8A897B0E91B}" srcOrd="3" destOrd="0" presId="urn:microsoft.com/office/officeart/2018/2/layout/IconCircleList"/>
+    <dgm:cxn modelId="{A833E0E8-009C-432C-9A68-67BD4933F89B}" type="presParOf" srcId="{95821B85-F6EA-4297-BEB7-83AC1B0DA4FE}" destId="{7BDAB59D-80F9-4B07-A5E3-6C8210E1C61C}" srcOrd="1" destOrd="0" presId="urn:microsoft.com/office/officeart/2018/2/layout/IconCircleList"/>
+    <dgm:cxn modelId="{FD1FD99B-8C95-4FC8-826C-DD3680659326}" type="presParOf" srcId="{95821B85-F6EA-4297-BEB7-83AC1B0DA4FE}" destId="{BA4BCD73-0189-46CA-9621-B37E64C0171C}" srcOrd="2" destOrd="0" presId="urn:microsoft.com/office/officeart/2018/2/layout/IconCircleList"/>
+    <dgm:cxn modelId="{8E2FE737-9591-442C-BEEC-E2919FDA4914}" type="presParOf" srcId="{BA4BCD73-0189-46CA-9621-B37E64C0171C}" destId="{95F3E834-17B1-4893-980A-6C585E965DEF}" srcOrd="0" destOrd="0" presId="urn:microsoft.com/office/officeart/2018/2/layout/IconCircleList"/>
+    <dgm:cxn modelId="{24BC3F8E-82FA-4130-87AC-0AD93F019B20}" type="presParOf" srcId="{BA4BCD73-0189-46CA-9621-B37E64C0171C}" destId="{243B9960-4C9A-4419-9A1C-3E311A0DBF72}" srcOrd="1" destOrd="0" presId="urn:microsoft.com/office/officeart/2018/2/layout/IconCircleList"/>
+    <dgm:cxn modelId="{5129E39E-AE66-4485-9C4D-BD7D2BB95174}" type="presParOf" srcId="{BA4BCD73-0189-46CA-9621-B37E64C0171C}" destId="{D5779885-B593-463E-9588-85BD1A754C0A}" srcOrd="2" destOrd="0" presId="urn:microsoft.com/office/officeart/2018/2/layout/IconCircleList"/>
+    <dgm:cxn modelId="{22E6715E-1098-4FA1-910F-0F28B5664077}" type="presParOf" srcId="{BA4BCD73-0189-46CA-9621-B37E64C0171C}" destId="{5B8C03C4-87A8-4CA2-93CB-4F37918BBB63}" srcOrd="3" destOrd="0" presId="urn:microsoft.com/office/officeart/2018/2/layout/IconCircleList"/>
+    <dgm:cxn modelId="{BA5206B1-E9D5-4BFF-9681-7FFC1D68ED46}" type="presParOf" srcId="{95821B85-F6EA-4297-BEB7-83AC1B0DA4FE}" destId="{1F0B7825-87B0-483B-8337-EB9666E69B6F}" srcOrd="3" destOrd="0" presId="urn:microsoft.com/office/officeart/2018/2/layout/IconCircleList"/>
+    <dgm:cxn modelId="{1AEB4964-C1E1-47B8-9E3A-C4A8C306E0B0}" type="presParOf" srcId="{95821B85-F6EA-4297-BEB7-83AC1B0DA4FE}" destId="{0B337414-7BED-4F04-A5AB-9473DA61E7C2}" srcOrd="4" destOrd="0" presId="urn:microsoft.com/office/officeart/2018/2/layout/IconCircleList"/>
+    <dgm:cxn modelId="{D9F2E438-2E45-42A7-8912-04FCB2723022}" type="presParOf" srcId="{0B337414-7BED-4F04-A5AB-9473DA61E7C2}" destId="{90862DC6-5042-404E-A3B2-AA186B5DFC9D}" srcOrd="0" destOrd="0" presId="urn:microsoft.com/office/officeart/2018/2/layout/IconCircleList"/>
+    <dgm:cxn modelId="{8B476236-EFE9-44AB-AF6D-8C87FEEFC161}" type="presParOf" srcId="{0B337414-7BED-4F04-A5AB-9473DA61E7C2}" destId="{2570BF1F-8422-4B2C-A6C9-C3EA16CDEF64}" srcOrd="1" destOrd="0" presId="urn:microsoft.com/office/officeart/2018/2/layout/IconCircleList"/>
+    <dgm:cxn modelId="{16899D80-46F1-45D5-8783-302BD71AAD3E}" type="presParOf" srcId="{0B337414-7BED-4F04-A5AB-9473DA61E7C2}" destId="{305A88FC-9B39-42F2-B0FA-238EE3A2DFE4}" srcOrd="2" destOrd="0" presId="urn:microsoft.com/office/officeart/2018/2/layout/IconCircleList"/>
+    <dgm:cxn modelId="{06E2B487-B51A-4AE7-818F-E04DAAA9AFC6}" type="presParOf" srcId="{0B337414-7BED-4F04-A5AB-9473DA61E7C2}" destId="{3EA72870-D74B-4039-8D54-44B4E0002CA4}" srcOrd="3" destOrd="0" presId="urn:microsoft.com/office/officeart/2018/2/layout/IconCircleList"/>
+    <dgm:cxn modelId="{5975B117-E522-4B9F-BA39-AF162407D2E9}" type="presParOf" srcId="{95821B85-F6EA-4297-BEB7-83AC1B0DA4FE}" destId="{0C582C45-D826-41D6-8A9F-47AF74C0BDD2}" srcOrd="5" destOrd="0" presId="urn:microsoft.com/office/officeart/2018/2/layout/IconCircleList"/>
+    <dgm:cxn modelId="{235235EE-D07E-4765-8E6E-349D22F1F0EB}" type="presParOf" srcId="{95821B85-F6EA-4297-BEB7-83AC1B0DA4FE}" destId="{55ABC1A7-136A-483A-A058-35990D8F6CC3}" srcOrd="6" destOrd="0" presId="urn:microsoft.com/office/officeart/2018/2/layout/IconCircleList"/>
+    <dgm:cxn modelId="{1A58075F-3EFA-48C1-AFBF-B7897AB962B3}" type="presParOf" srcId="{55ABC1A7-136A-483A-A058-35990D8F6CC3}" destId="{15F38BEF-6030-4B10-BFF2-2C904FE65044}" srcOrd="0" destOrd="0" presId="urn:microsoft.com/office/officeart/2018/2/layout/IconCircleList"/>
+    <dgm:cxn modelId="{D8C50713-EC3B-412D-9BD3-A8CB37AFAC07}" type="presParOf" srcId="{55ABC1A7-136A-483A-A058-35990D8F6CC3}" destId="{40014EC6-2523-4476-9212-B0DEC26DE306}" srcOrd="1" destOrd="0" presId="urn:microsoft.com/office/officeart/2018/2/layout/IconCircleList"/>
+    <dgm:cxn modelId="{8BC1BF11-70AE-4E19-AB81-24698B686682}" type="presParOf" srcId="{55ABC1A7-136A-483A-A058-35990D8F6CC3}" destId="{F934FF9D-98CE-4E2B-8E53-10E8E503979D}" srcOrd="2" destOrd="0" presId="urn:microsoft.com/office/officeart/2018/2/layout/IconCircleList"/>
+    <dgm:cxn modelId="{DCBEBFED-455C-41D4-B0D3-E6D2277C7F1A}" type="presParOf" srcId="{55ABC1A7-136A-483A-A058-35990D8F6CC3}" destId="{CDFE13DC-3BDC-4F8F-89F7-8E476264AA76}" srcOrd="3" destOrd="0" presId="urn:microsoft.com/office/officeart/2018/2/layout/IconCircleList"/>
+    <dgm:cxn modelId="{B9D044B5-B97B-4006-A219-7B87A36B121F}" type="presParOf" srcId="{95821B85-F6EA-4297-BEB7-83AC1B0DA4FE}" destId="{C53BA8C7-7BA4-4D52-AB5E-4F64B7159AB1}" srcOrd="7" destOrd="0" presId="urn:microsoft.com/office/officeart/2018/2/layout/IconCircleList"/>
+    <dgm:cxn modelId="{DE4765FB-BC53-4C48-8F76-FBE856D3266A}" type="presParOf" srcId="{95821B85-F6EA-4297-BEB7-83AC1B0DA4FE}" destId="{B8E9D22E-BEF4-4BE4-AB5D-11F8706E090E}" srcOrd="8" destOrd="0" presId="urn:microsoft.com/office/officeart/2018/2/layout/IconCircleList"/>
+    <dgm:cxn modelId="{13C2F425-0FC0-4BC4-956E-B6D18D174AAE}" type="presParOf" srcId="{B8E9D22E-BEF4-4BE4-AB5D-11F8706E090E}" destId="{4900F163-8ACF-4139-8DB2-20B4B2359B26}" srcOrd="0" destOrd="0" presId="urn:microsoft.com/office/officeart/2018/2/layout/IconCircleList"/>
+    <dgm:cxn modelId="{DB3BB4B0-E4A9-43D5-A9F5-B93305561415}" type="presParOf" srcId="{B8E9D22E-BEF4-4BE4-AB5D-11F8706E090E}" destId="{381A7CE0-FB75-4B14-B91C-574AD97C947E}" srcOrd="1" destOrd="0" presId="urn:microsoft.com/office/officeart/2018/2/layout/IconCircleList"/>
+    <dgm:cxn modelId="{1892B29B-E161-4141-8DCB-10A7E521CD71}" type="presParOf" srcId="{B8E9D22E-BEF4-4BE4-AB5D-11F8706E090E}" destId="{CB3F7016-658D-4C1F-9EBD-866CB4CFE6A6}" srcOrd="2" destOrd="0" presId="urn:microsoft.com/office/officeart/2018/2/layout/IconCircleList"/>
+    <dgm:cxn modelId="{2D4B0DC0-A196-4607-B9CF-AC20E0B03AB1}" type="presParOf" srcId="{B8E9D22E-BEF4-4BE4-AB5D-11F8706E090E}" destId="{9CCD1575-ADEC-4C0B-A0FA-17FC1BAA6B20}" srcOrd="3" destOrd="0" presId="urn:microsoft.com/office/officeart/2018/2/layout/IconCircleList"/>
+    <dgm:cxn modelId="{66A922DA-F093-42D3-A9E6-72A07627B1A3}" type="presParOf" srcId="{95821B85-F6EA-4297-BEB7-83AC1B0DA4FE}" destId="{66C7984E-8BB2-4128-85F5-C77932C07A00}" srcOrd="9" destOrd="0" presId="urn:microsoft.com/office/officeart/2018/2/layout/IconCircleList"/>
+    <dgm:cxn modelId="{011E11EA-37F0-4BB6-B560-043706E48735}" type="presParOf" srcId="{95821B85-F6EA-4297-BEB7-83AC1B0DA4FE}" destId="{F26FAB82-2F38-45AF-9629-56FF6B11B562}" srcOrd="10" destOrd="0" presId="urn:microsoft.com/office/officeart/2018/2/layout/IconCircleList"/>
+    <dgm:cxn modelId="{3C39CDE5-029E-4132-8CEC-C3A30CD23DD7}" type="presParOf" srcId="{F26FAB82-2F38-45AF-9629-56FF6B11B562}" destId="{DC99B5F6-130D-45D3-BC37-2CCBFB69CFC4}" srcOrd="0" destOrd="0" presId="urn:microsoft.com/office/officeart/2018/2/layout/IconCircleList"/>
+    <dgm:cxn modelId="{FE5D1F3C-A405-42B0-BF98-24D3F89F69EF}" type="presParOf" srcId="{F26FAB82-2F38-45AF-9629-56FF6B11B562}" destId="{A03C751F-0C7E-41C7-BC7E-003B195B7090}" srcOrd="1" destOrd="0" presId="urn:microsoft.com/office/officeart/2018/2/layout/IconCircleList"/>
+    <dgm:cxn modelId="{0AB67190-0DBF-414C-AE69-B4060BB36DD0}" type="presParOf" srcId="{F26FAB82-2F38-45AF-9629-56FF6B11B562}" destId="{F4AC6D39-E475-4108-812E-D9F8C7C961A4}" srcOrd="2" destOrd="0" presId="urn:microsoft.com/office/officeart/2018/2/layout/IconCircleList"/>
+    <dgm:cxn modelId="{B2CA8637-E4DF-4DC4-9941-DD67EDD849BD}" type="presParOf" srcId="{F26FAB82-2F38-45AF-9629-56FF6B11B562}" destId="{05764B62-625C-496D-9B2F-76526CF737C5}" srcOrd="3" destOrd="0" presId="urn:microsoft.com/office/officeart/2018/2/layout/IconCircleList"/>
+    <dgm:cxn modelId="{C349F169-3CFB-491D-9263-3DB0C3E5540E}" type="presParOf" srcId="{95821B85-F6EA-4297-BEB7-83AC1B0DA4FE}" destId="{0D1F0764-E1A7-4CEB-80D2-5B79DBE9480B}" srcOrd="11" destOrd="0" presId="urn:microsoft.com/office/officeart/2018/2/layout/IconCircleList"/>
+    <dgm:cxn modelId="{D46BD89B-0473-4423-B26E-41787B159C73}" type="presParOf" srcId="{95821B85-F6EA-4297-BEB7-83AC1B0DA4FE}" destId="{55BEB8F6-51AD-45DA-93E2-92A52E195CC6}" srcOrd="12" destOrd="0" presId="urn:microsoft.com/office/officeart/2018/2/layout/IconCircleList"/>
+    <dgm:cxn modelId="{8B535078-8416-4E20-961F-B9DF7E53B7F8}" type="presParOf" srcId="{55BEB8F6-51AD-45DA-93E2-92A52E195CC6}" destId="{9A1BD9AE-C8BB-404B-B091-A9F276E64487}" srcOrd="0" destOrd="0" presId="urn:microsoft.com/office/officeart/2018/2/layout/IconCircleList"/>
+    <dgm:cxn modelId="{B03A97E4-3143-4C3B-85F5-3DABE3A3B67A}" type="presParOf" srcId="{55BEB8F6-51AD-45DA-93E2-92A52E195CC6}" destId="{B60C69BB-AF29-4272-B0C1-A65539B92F87}" srcOrd="1" destOrd="0" presId="urn:microsoft.com/office/officeart/2018/2/layout/IconCircleList"/>
+    <dgm:cxn modelId="{E992F3B5-6661-4213-B32B-8C8046C90D11}" type="presParOf" srcId="{55BEB8F6-51AD-45DA-93E2-92A52E195CC6}" destId="{1CF8F7D6-CDC3-4521-8001-F2C087A36929}" srcOrd="2" destOrd="0" presId="urn:microsoft.com/office/officeart/2018/2/layout/IconCircleList"/>
+    <dgm:cxn modelId="{395E4BC3-9955-4AE5-9359-7725C08AF1C7}" type="presParOf" srcId="{55BEB8F6-51AD-45DA-93E2-92A52E195CC6}" destId="{32DB17ED-86BF-4DB0-9A2B-FAB3D72A488D}" srcOrd="3" destOrd="0" presId="urn:microsoft.com/office/officeart/2018/2/layout/IconCircleList"/>
   </dgm:cxnLst>
   <dgm:bg/>
   <dgm:whole/>
@@ -1784,15 +1844,15 @@
       <dsp:cNvGrpSpPr/>
     </dsp:nvGrpSpPr>
     <dsp:grpSpPr/>
-    <dsp:sp modelId="{AF03FEB0-D2A3-4EE7-A60D-F3C61B59D56E}">
+    <dsp:sp modelId="{604ADF43-82A1-4D25-9D95-CE733810CFA8}">
       <dsp:nvSpPr>
         <dsp:cNvPr id="0" name=""/>
         <dsp:cNvSpPr/>
       </dsp:nvSpPr>
       <dsp:spPr>
         <a:xfrm>
-          <a:off x="266118" y="890719"/>
-          <a:ext cx="831005" cy="831005"/>
+          <a:off x="2030" y="275331"/>
+          <a:ext cx="492581" cy="492581"/>
         </a:xfrm>
         <a:prstGeom prst="ellipse">
           <a:avLst/>
@@ -1823,15 +1883,15 @@
         <a:fontRef idx="minor"/>
       </dsp:style>
     </dsp:sp>
-    <dsp:sp modelId="{366F24DD-1791-4AD9-8718-249C7D9C5E3C}">
+    <dsp:sp modelId="{6E7DED06-5186-4485-B80C-D0722936E65B}">
       <dsp:nvSpPr>
         <dsp:cNvPr id="0" name=""/>
         <dsp:cNvSpPr/>
       </dsp:nvSpPr>
       <dsp:spPr>
         <a:xfrm>
-          <a:off x="443218" y="1067819"/>
-          <a:ext cx="476806" cy="476806"/>
+          <a:off x="105472" y="378773"/>
+          <a:ext cx="285697" cy="285697"/>
         </a:xfrm>
         <a:prstGeom prst="rect">
           <a:avLst/>
@@ -1872,15 +1932,15 @@
         </a:fontRef>
       </dsp:style>
     </dsp:sp>
-    <dsp:sp modelId="{547B9F48-3436-4521-B495-544643A78B37}">
+    <dsp:sp modelId="{7F1BD2CE-2B87-4105-9519-D8A897B0E91B}">
       <dsp:nvSpPr>
         <dsp:cNvPr id="0" name=""/>
         <dsp:cNvSpPr/>
       </dsp:nvSpPr>
       <dsp:spPr>
         <a:xfrm>
-          <a:off x="469" y="1980563"/>
-          <a:ext cx="1362304" cy="544921"/>
+          <a:off x="600164" y="275331"/>
+          <a:ext cx="1161084" cy="492581"/>
         </a:xfrm>
         <a:prstGeom prst="rect">
           <a:avLst/>
@@ -1904,14 +1964,14 @@
         <a:fontRef idx="minor"/>
       </dsp:style>
       <dsp:txBody>
-        <a:bodyPr spcFirstLastPara="0" vert="horz" wrap="square" lIns="0" tIns="0" rIns="0" bIns="0" numCol="1" spcCol="1270" anchor="t" anchorCtr="0">
+        <a:bodyPr spcFirstLastPara="0" vert="horz" wrap="square" lIns="0" tIns="0" rIns="0" bIns="0" numCol="1" spcCol="1270" anchor="ctr" anchorCtr="0">
           <a:noAutofit/>
         </a:bodyPr>
         <a:lstStyle/>
         <a:p>
-          <a:pPr marL="0" lvl="0" indent="0" algn="ctr" defTabSz="666750">
+          <a:pPr marL="0" lvl="0" indent="0" algn="l" defTabSz="666750">
             <a:lnSpc>
-              <a:spcPct val="90000"/>
+              <a:spcPct val="100000"/>
             </a:lnSpc>
             <a:spcBef>
               <a:spcPct val="0"/>
@@ -1920,7 +1980,6 @@
               <a:spcPct val="35000"/>
             </a:spcAft>
             <a:buNone/>
-            <a:defRPr cap="all"/>
           </a:pPr>
           <a:r>
             <a:rPr lang="en-US" sz="1500" kern="1200"/>
@@ -1929,19 +1988,19 @@
         </a:p>
       </dsp:txBody>
       <dsp:txXfrm>
-        <a:off x="469" y="1980563"/>
-        <a:ext cx="1362304" cy="544921"/>
+        <a:off x="600164" y="275331"/>
+        <a:ext cx="1161084" cy="492581"/>
       </dsp:txXfrm>
     </dsp:sp>
-    <dsp:sp modelId="{CDEF5C54-799B-4117-AB1E-870F5BA27EC9}">
+    <dsp:sp modelId="{95F3E834-17B1-4893-980A-6C585E965DEF}">
       <dsp:nvSpPr>
         <dsp:cNvPr id="0" name=""/>
         <dsp:cNvSpPr/>
       </dsp:nvSpPr>
       <dsp:spPr>
         <a:xfrm>
-          <a:off x="1866826" y="890719"/>
-          <a:ext cx="831005" cy="831005"/>
+          <a:off x="1963559" y="275331"/>
+          <a:ext cx="492581" cy="492581"/>
         </a:xfrm>
         <a:prstGeom prst="ellipse">
           <a:avLst/>
@@ -1972,15 +2031,15 @@
         <a:fontRef idx="minor"/>
       </dsp:style>
     </dsp:sp>
-    <dsp:sp modelId="{70073F15-ADE8-4410-9A7B-D2F5E063D18F}">
+    <dsp:sp modelId="{243B9960-4C9A-4419-9A1C-3E311A0DBF72}">
       <dsp:nvSpPr>
         <dsp:cNvPr id="0" name=""/>
         <dsp:cNvSpPr/>
       </dsp:nvSpPr>
       <dsp:spPr>
         <a:xfrm>
-          <a:off x="2043926" y="1067819"/>
-          <a:ext cx="476806" cy="476806"/>
+          <a:off x="2067001" y="378773"/>
+          <a:ext cx="285697" cy="285697"/>
         </a:xfrm>
         <a:prstGeom prst="rect">
           <a:avLst/>
@@ -2021,15 +2080,15 @@
         </a:fontRef>
       </dsp:style>
     </dsp:sp>
-    <dsp:sp modelId="{FE3D7135-708E-42FF-A2EF-D465970C2325}">
+    <dsp:sp modelId="{5B8C03C4-87A8-4CA2-93CB-4F37918BBB63}">
       <dsp:nvSpPr>
         <dsp:cNvPr id="0" name=""/>
         <dsp:cNvSpPr/>
       </dsp:nvSpPr>
       <dsp:spPr>
         <a:xfrm>
-          <a:off x="1601177" y="1980563"/>
-          <a:ext cx="1362304" cy="544921"/>
+          <a:off x="2561693" y="275331"/>
+          <a:ext cx="1161084" cy="492581"/>
         </a:xfrm>
         <a:prstGeom prst="rect">
           <a:avLst/>
@@ -2053,14 +2112,14 @@
         <a:fontRef idx="minor"/>
       </dsp:style>
       <dsp:txBody>
-        <a:bodyPr spcFirstLastPara="0" vert="horz" wrap="square" lIns="0" tIns="0" rIns="0" bIns="0" numCol="1" spcCol="1270" anchor="t" anchorCtr="0">
+        <a:bodyPr spcFirstLastPara="0" vert="horz" wrap="square" lIns="0" tIns="0" rIns="0" bIns="0" numCol="1" spcCol="1270" anchor="ctr" anchorCtr="0">
           <a:noAutofit/>
         </a:bodyPr>
         <a:lstStyle/>
         <a:p>
-          <a:pPr marL="0" lvl="0" indent="0" algn="ctr" defTabSz="666750">
+          <a:pPr marL="0" lvl="0" indent="0" algn="l" defTabSz="666750">
             <a:lnSpc>
-              <a:spcPct val="90000"/>
+              <a:spcPct val="100000"/>
             </a:lnSpc>
             <a:spcBef>
               <a:spcPct val="0"/>
@@ -2069,7 +2128,6 @@
               <a:spcPct val="35000"/>
             </a:spcAft>
             <a:buNone/>
-            <a:defRPr cap="all"/>
           </a:pPr>
           <a:r>
             <a:rPr lang="en-US" sz="1500" kern="1200"/>
@@ -2078,19 +2136,19 @@
         </a:p>
       </dsp:txBody>
       <dsp:txXfrm>
-        <a:off x="1601177" y="1980563"/>
-        <a:ext cx="1362304" cy="544921"/>
+        <a:off x="2561693" y="275331"/>
+        <a:ext cx="1161084" cy="492581"/>
       </dsp:txXfrm>
     </dsp:sp>
-    <dsp:sp modelId="{1E66DDE4-36DB-4128-A806-976D8BDA59BA}">
+    <dsp:sp modelId="{90862DC6-5042-404E-A3B2-AA186B5DFC9D}">
       <dsp:nvSpPr>
         <dsp:cNvPr id="0" name=""/>
         <dsp:cNvSpPr/>
       </dsp:nvSpPr>
       <dsp:spPr>
         <a:xfrm>
-          <a:off x="3467534" y="890719"/>
-          <a:ext cx="831005" cy="831005"/>
+          <a:off x="2030" y="1364956"/>
+          <a:ext cx="492581" cy="492581"/>
         </a:xfrm>
         <a:prstGeom prst="ellipse">
           <a:avLst/>
@@ -2121,15 +2179,15 @@
         <a:fontRef idx="minor"/>
       </dsp:style>
     </dsp:sp>
-    <dsp:sp modelId="{C027B083-F5E7-471A-9EC7-889ABBEA6231}">
+    <dsp:sp modelId="{2570BF1F-8422-4B2C-A6C9-C3EA16CDEF64}">
       <dsp:nvSpPr>
         <dsp:cNvPr id="0" name=""/>
         <dsp:cNvSpPr/>
       </dsp:nvSpPr>
       <dsp:spPr>
         <a:xfrm>
-          <a:off x="3644634" y="1067819"/>
-          <a:ext cx="476806" cy="476806"/>
+          <a:off x="105472" y="1468398"/>
+          <a:ext cx="285697" cy="285697"/>
         </a:xfrm>
         <a:prstGeom prst="rect">
           <a:avLst/>
@@ -2170,15 +2228,15 @@
         </a:fontRef>
       </dsp:style>
     </dsp:sp>
-    <dsp:sp modelId="{2C487354-2E6B-490E-810A-765842D826DB}">
+    <dsp:sp modelId="{3EA72870-D74B-4039-8D54-44B4E0002CA4}">
       <dsp:nvSpPr>
         <dsp:cNvPr id="0" name=""/>
         <dsp:cNvSpPr/>
       </dsp:nvSpPr>
       <dsp:spPr>
         <a:xfrm>
-          <a:off x="3201885" y="1980563"/>
-          <a:ext cx="1362304" cy="544921"/>
+          <a:off x="600164" y="1364956"/>
+          <a:ext cx="1161084" cy="492581"/>
         </a:xfrm>
         <a:prstGeom prst="rect">
           <a:avLst/>
@@ -2202,14 +2260,14 @@
         <a:fontRef idx="minor"/>
       </dsp:style>
       <dsp:txBody>
-        <a:bodyPr spcFirstLastPara="0" vert="horz" wrap="square" lIns="0" tIns="0" rIns="0" bIns="0" numCol="1" spcCol="1270" anchor="t" anchorCtr="0">
+        <a:bodyPr spcFirstLastPara="0" vert="horz" wrap="square" lIns="0" tIns="0" rIns="0" bIns="0" numCol="1" spcCol="1270" anchor="ctr" anchorCtr="0">
           <a:noAutofit/>
         </a:bodyPr>
         <a:lstStyle/>
         <a:p>
-          <a:pPr marL="0" lvl="0" indent="0" algn="ctr" defTabSz="666750">
+          <a:pPr marL="0" lvl="0" indent="0" algn="l" defTabSz="666750">
             <a:lnSpc>
-              <a:spcPct val="90000"/>
+              <a:spcPct val="100000"/>
             </a:lnSpc>
             <a:spcBef>
               <a:spcPct val="0"/>
@@ -2218,7 +2276,6 @@
               <a:spcPct val="35000"/>
             </a:spcAft>
             <a:buNone/>
-            <a:defRPr cap="all"/>
           </a:pPr>
           <a:r>
             <a:rPr lang="en-US" sz="1500" kern="1200"/>
@@ -2227,19 +2284,19 @@
         </a:p>
       </dsp:txBody>
       <dsp:txXfrm>
-        <a:off x="3201885" y="1980563"/>
-        <a:ext cx="1362304" cy="544921"/>
+        <a:off x="600164" y="1364956"/>
+        <a:ext cx="1161084" cy="492581"/>
       </dsp:txXfrm>
     </dsp:sp>
-    <dsp:sp modelId="{AF5BC8AD-B5DB-44FD-8418-F11400B14B51}">
+    <dsp:sp modelId="{15F38BEF-6030-4B10-BFF2-2C904FE65044}">
       <dsp:nvSpPr>
         <dsp:cNvPr id="0" name=""/>
         <dsp:cNvSpPr/>
       </dsp:nvSpPr>
       <dsp:spPr>
         <a:xfrm>
-          <a:off x="5068242" y="890719"/>
-          <a:ext cx="831005" cy="831005"/>
+          <a:off x="1963559" y="1364956"/>
+          <a:ext cx="492581" cy="492581"/>
         </a:xfrm>
         <a:prstGeom prst="ellipse">
           <a:avLst/>
@@ -2270,15 +2327,15 @@
         <a:fontRef idx="minor"/>
       </dsp:style>
     </dsp:sp>
-    <dsp:sp modelId="{A63DD857-6496-4C09-BD5C-173E3FD7A5A0}">
+    <dsp:sp modelId="{40014EC6-2523-4476-9212-B0DEC26DE306}">
       <dsp:nvSpPr>
         <dsp:cNvPr id="0" name=""/>
         <dsp:cNvSpPr/>
       </dsp:nvSpPr>
       <dsp:spPr>
         <a:xfrm>
-          <a:off x="5245342" y="1067819"/>
-          <a:ext cx="476806" cy="476806"/>
+          <a:off x="2067001" y="1468398"/>
+          <a:ext cx="285697" cy="285697"/>
         </a:xfrm>
         <a:prstGeom prst="rect">
           <a:avLst/>
@@ -2319,15 +2376,15 @@
         </a:fontRef>
       </dsp:style>
     </dsp:sp>
-    <dsp:sp modelId="{CA91993A-24B0-4A83-85F4-EE4567AD2FC4}">
+    <dsp:sp modelId="{CDFE13DC-3BDC-4F8F-89F7-8E476264AA76}">
       <dsp:nvSpPr>
         <dsp:cNvPr id="0" name=""/>
         <dsp:cNvSpPr/>
       </dsp:nvSpPr>
       <dsp:spPr>
         <a:xfrm>
-          <a:off x="4802593" y="1980563"/>
-          <a:ext cx="1362304" cy="544921"/>
+          <a:off x="2561693" y="1364956"/>
+          <a:ext cx="1161084" cy="492581"/>
         </a:xfrm>
         <a:prstGeom prst="rect">
           <a:avLst/>
@@ -2351,14 +2408,14 @@
         <a:fontRef idx="minor"/>
       </dsp:style>
       <dsp:txBody>
-        <a:bodyPr spcFirstLastPara="0" vert="horz" wrap="square" lIns="0" tIns="0" rIns="0" bIns="0" numCol="1" spcCol="1270" anchor="t" anchorCtr="0">
+        <a:bodyPr spcFirstLastPara="0" vert="horz" wrap="square" lIns="0" tIns="0" rIns="0" bIns="0" numCol="1" spcCol="1270" anchor="ctr" anchorCtr="0">
           <a:noAutofit/>
         </a:bodyPr>
         <a:lstStyle/>
         <a:p>
-          <a:pPr marL="0" lvl="0" indent="0" algn="ctr" defTabSz="666750">
+          <a:pPr marL="0" lvl="0" indent="0" algn="l" defTabSz="666750">
             <a:lnSpc>
-              <a:spcPct val="90000"/>
+              <a:spcPct val="100000"/>
             </a:lnSpc>
             <a:spcBef>
               <a:spcPct val="0"/>
@@ -2367,7 +2424,6 @@
               <a:spcPct val="35000"/>
             </a:spcAft>
             <a:buNone/>
-            <a:defRPr cap="all"/>
           </a:pPr>
           <a:r>
             <a:rPr lang="en-US" sz="1500" kern="1200"/>
@@ -2376,19 +2432,19 @@
         </a:p>
       </dsp:txBody>
       <dsp:txXfrm>
-        <a:off x="4802593" y="1980563"/>
-        <a:ext cx="1362304" cy="544921"/>
+        <a:off x="2561693" y="1364956"/>
+        <a:ext cx="1161084" cy="492581"/>
       </dsp:txXfrm>
     </dsp:sp>
-    <dsp:sp modelId="{B29A5D2B-2FD0-4AB3-AABF-D47B2D3279BA}">
+    <dsp:sp modelId="{4900F163-8ACF-4139-8DB2-20B4B2359B26}">
       <dsp:nvSpPr>
         <dsp:cNvPr id="0" name=""/>
         <dsp:cNvSpPr/>
       </dsp:nvSpPr>
       <dsp:spPr>
         <a:xfrm>
-          <a:off x="6668950" y="890719"/>
-          <a:ext cx="831005" cy="831005"/>
+          <a:off x="2030" y="2454580"/>
+          <a:ext cx="492581" cy="492581"/>
         </a:xfrm>
         <a:prstGeom prst="ellipse">
           <a:avLst/>
@@ -2419,15 +2475,15 @@
         <a:fontRef idx="minor"/>
       </dsp:style>
     </dsp:sp>
-    <dsp:sp modelId="{7F38ADDA-E639-45EA-8254-B2C854FC21BF}">
+    <dsp:sp modelId="{381A7CE0-FB75-4B14-B91C-574AD97C947E}">
       <dsp:nvSpPr>
         <dsp:cNvPr id="0" name=""/>
         <dsp:cNvSpPr/>
       </dsp:nvSpPr>
       <dsp:spPr>
         <a:xfrm>
-          <a:off x="6846050" y="1067819"/>
-          <a:ext cx="476806" cy="476806"/>
+          <a:off x="105472" y="2558022"/>
+          <a:ext cx="285697" cy="285697"/>
         </a:xfrm>
         <a:prstGeom prst="rect">
           <a:avLst/>
@@ -2468,15 +2524,15 @@
         </a:fontRef>
       </dsp:style>
     </dsp:sp>
-    <dsp:sp modelId="{044B05BC-6F76-44E1-93AC-A9454A559B39}">
+    <dsp:sp modelId="{9CCD1575-ADEC-4C0B-A0FA-17FC1BAA6B20}">
       <dsp:nvSpPr>
         <dsp:cNvPr id="0" name=""/>
         <dsp:cNvSpPr/>
       </dsp:nvSpPr>
       <dsp:spPr>
         <a:xfrm>
-          <a:off x="6403301" y="1980563"/>
-          <a:ext cx="1362304" cy="544921"/>
+          <a:off x="600164" y="2454580"/>
+          <a:ext cx="1161084" cy="492581"/>
         </a:xfrm>
         <a:prstGeom prst="rect">
           <a:avLst/>
@@ -2500,14 +2556,14 @@
         <a:fontRef idx="minor"/>
       </dsp:style>
       <dsp:txBody>
-        <a:bodyPr spcFirstLastPara="0" vert="horz" wrap="square" lIns="0" tIns="0" rIns="0" bIns="0" numCol="1" spcCol="1270" anchor="t" anchorCtr="0">
+        <a:bodyPr spcFirstLastPara="0" vert="horz" wrap="square" lIns="0" tIns="0" rIns="0" bIns="0" numCol="1" spcCol="1270" anchor="ctr" anchorCtr="0">
           <a:noAutofit/>
         </a:bodyPr>
         <a:lstStyle/>
         <a:p>
-          <a:pPr marL="0" lvl="0" indent="0" algn="ctr" defTabSz="666750">
+          <a:pPr marL="0" lvl="0" indent="0" algn="l" defTabSz="666750">
             <a:lnSpc>
-              <a:spcPct val="90000"/>
+              <a:spcPct val="100000"/>
             </a:lnSpc>
             <a:spcBef>
               <a:spcPct val="0"/>
@@ -2516,7 +2572,6 @@
               <a:spcPct val="35000"/>
             </a:spcAft>
             <a:buNone/>
-            <a:defRPr cap="all"/>
           </a:pPr>
           <a:r>
             <a:rPr lang="en-US" sz="1500" kern="1200"/>
@@ -2525,19 +2580,19 @@
         </a:p>
       </dsp:txBody>
       <dsp:txXfrm>
-        <a:off x="6403301" y="1980563"/>
-        <a:ext cx="1362304" cy="544921"/>
+        <a:off x="600164" y="2454580"/>
+        <a:ext cx="1161084" cy="492581"/>
       </dsp:txXfrm>
     </dsp:sp>
-    <dsp:sp modelId="{02D5FCEE-F978-4D8F-969C-42F8C7E57F42}">
+    <dsp:sp modelId="{DC99B5F6-130D-45D3-BC37-2CCBFB69CFC4}">
       <dsp:nvSpPr>
         <dsp:cNvPr id="0" name=""/>
         <dsp:cNvSpPr/>
       </dsp:nvSpPr>
       <dsp:spPr>
         <a:xfrm>
-          <a:off x="8269658" y="890719"/>
-          <a:ext cx="831005" cy="831005"/>
+          <a:off x="1963559" y="2454580"/>
+          <a:ext cx="492581" cy="492581"/>
         </a:xfrm>
         <a:prstGeom prst="ellipse">
           <a:avLst/>
@@ -2568,15 +2623,15 @@
         <a:fontRef idx="minor"/>
       </dsp:style>
     </dsp:sp>
-    <dsp:sp modelId="{D027A2D9-0A11-41E9-9CD8-ADC565BED7B5}">
+    <dsp:sp modelId="{A03C751F-0C7E-41C7-BC7E-003B195B7090}">
       <dsp:nvSpPr>
         <dsp:cNvPr id="0" name=""/>
         <dsp:cNvSpPr/>
       </dsp:nvSpPr>
       <dsp:spPr>
         <a:xfrm>
-          <a:off x="8446758" y="1067819"/>
-          <a:ext cx="476806" cy="476806"/>
+          <a:off x="2067001" y="2558022"/>
+          <a:ext cx="285697" cy="285697"/>
         </a:xfrm>
         <a:prstGeom prst="rect">
           <a:avLst/>
@@ -2617,15 +2672,15 @@
         </a:fontRef>
       </dsp:style>
     </dsp:sp>
-    <dsp:sp modelId="{771CAF18-4D0C-4574-BE79-12E6FA072A6B}">
+    <dsp:sp modelId="{05764B62-625C-496D-9B2F-76526CF737C5}">
       <dsp:nvSpPr>
         <dsp:cNvPr id="0" name=""/>
         <dsp:cNvSpPr/>
       </dsp:nvSpPr>
       <dsp:spPr>
         <a:xfrm>
-          <a:off x="8004009" y="1980563"/>
-          <a:ext cx="1362304" cy="544921"/>
+          <a:off x="2561693" y="2454580"/>
+          <a:ext cx="1161084" cy="492581"/>
         </a:xfrm>
         <a:prstGeom prst="rect">
           <a:avLst/>
@@ -2649,14 +2704,14 @@
         <a:fontRef idx="minor"/>
       </dsp:style>
       <dsp:txBody>
-        <a:bodyPr spcFirstLastPara="0" vert="horz" wrap="square" lIns="0" tIns="0" rIns="0" bIns="0" numCol="1" spcCol="1270" anchor="t" anchorCtr="0">
+        <a:bodyPr spcFirstLastPara="0" vert="horz" wrap="square" lIns="0" tIns="0" rIns="0" bIns="0" numCol="1" spcCol="1270" anchor="ctr" anchorCtr="0">
           <a:noAutofit/>
         </a:bodyPr>
         <a:lstStyle/>
         <a:p>
-          <a:pPr marL="0" lvl="0" indent="0" algn="ctr" defTabSz="666750">
+          <a:pPr marL="0" lvl="0" indent="0" algn="l" defTabSz="666750">
             <a:lnSpc>
-              <a:spcPct val="90000"/>
+              <a:spcPct val="100000"/>
             </a:lnSpc>
             <a:spcBef>
               <a:spcPct val="0"/>
@@ -2665,7 +2720,6 @@
               <a:spcPct val="35000"/>
             </a:spcAft>
             <a:buNone/>
-            <a:defRPr cap="all"/>
           </a:pPr>
           <a:r>
             <a:rPr lang="en-US" sz="1500" kern="1200"/>
@@ -2674,19 +2728,19 @@
         </a:p>
       </dsp:txBody>
       <dsp:txXfrm>
-        <a:off x="8004009" y="1980563"/>
-        <a:ext cx="1362304" cy="544921"/>
+        <a:off x="2561693" y="2454580"/>
+        <a:ext cx="1161084" cy="492581"/>
       </dsp:txXfrm>
     </dsp:sp>
-    <dsp:sp modelId="{363AE795-66BC-4A87-92EC-D95C34802352}">
+    <dsp:sp modelId="{9A1BD9AE-C8BB-404B-B091-A9F276E64487}">
       <dsp:nvSpPr>
         <dsp:cNvPr id="0" name=""/>
         <dsp:cNvSpPr/>
       </dsp:nvSpPr>
       <dsp:spPr>
         <a:xfrm>
-          <a:off x="9870366" y="890719"/>
-          <a:ext cx="831005" cy="831005"/>
+          <a:off x="2030" y="3544204"/>
+          <a:ext cx="492581" cy="492581"/>
         </a:xfrm>
         <a:prstGeom prst="ellipse">
           <a:avLst/>
@@ -2717,15 +2771,15 @@
         <a:fontRef idx="minor"/>
       </dsp:style>
     </dsp:sp>
-    <dsp:sp modelId="{B9EDA750-B081-45CA-BBA6-69709BAA6F05}">
+    <dsp:sp modelId="{B60C69BB-AF29-4272-B0C1-A65539B92F87}">
       <dsp:nvSpPr>
         <dsp:cNvPr id="0" name=""/>
         <dsp:cNvSpPr/>
       </dsp:nvSpPr>
       <dsp:spPr>
         <a:xfrm>
-          <a:off x="10047466" y="1067819"/>
-          <a:ext cx="476806" cy="476806"/>
+          <a:off x="105472" y="3647646"/>
+          <a:ext cx="285697" cy="285697"/>
         </a:xfrm>
         <a:prstGeom prst="rect">
           <a:avLst/>
@@ -2766,15 +2820,15 @@
         </a:fontRef>
       </dsp:style>
     </dsp:sp>
-    <dsp:sp modelId="{EED8CE13-59D2-4C5B-A613-51C4D88CD1AD}">
+    <dsp:sp modelId="{32DB17ED-86BF-4DB0-9A2B-FAB3D72A488D}">
       <dsp:nvSpPr>
         <dsp:cNvPr id="0" name=""/>
         <dsp:cNvSpPr/>
       </dsp:nvSpPr>
       <dsp:spPr>
         <a:xfrm>
-          <a:off x="9604717" y="1980563"/>
-          <a:ext cx="1362304" cy="544921"/>
+          <a:off x="600164" y="3544204"/>
+          <a:ext cx="1161084" cy="492581"/>
         </a:xfrm>
         <a:prstGeom prst="rect">
           <a:avLst/>
@@ -2798,14 +2852,14 @@
         <a:fontRef idx="minor"/>
       </dsp:style>
       <dsp:txBody>
-        <a:bodyPr spcFirstLastPara="0" vert="horz" wrap="square" lIns="0" tIns="0" rIns="0" bIns="0" numCol="1" spcCol="1270" anchor="t" anchorCtr="0">
+        <a:bodyPr spcFirstLastPara="0" vert="horz" wrap="square" lIns="0" tIns="0" rIns="0" bIns="0" numCol="1" spcCol="1270" anchor="ctr" anchorCtr="0">
           <a:noAutofit/>
         </a:bodyPr>
         <a:lstStyle/>
         <a:p>
-          <a:pPr marL="0" lvl="0" indent="0" algn="ctr" defTabSz="666750">
+          <a:pPr marL="0" lvl="0" indent="0" algn="l" defTabSz="666750">
             <a:lnSpc>
-              <a:spcPct val="90000"/>
+              <a:spcPct val="100000"/>
             </a:lnSpc>
             <a:spcBef>
               <a:spcPct val="0"/>
@@ -2814,7 +2868,6 @@
               <a:spcPct val="35000"/>
             </a:spcAft>
             <a:buNone/>
-            <a:defRPr cap="all"/>
           </a:pPr>
           <a:r>
             <a:rPr lang="en-US" sz="1500" kern="1200"/>
@@ -2823,8 +2876,8 @@
         </a:p>
       </dsp:txBody>
       <dsp:txXfrm>
-        <a:off x="9604717" y="1980563"/>
-        <a:ext cx="1362304" cy="544921"/>
+        <a:off x="600164" y="3544204"/>
+        <a:ext cx="1161084" cy="492581"/>
       </dsp:txXfrm>
     </dsp:sp>
   </dsp:spTree>
@@ -2832,9 +2885,9 @@
 </file>
 
 <file path=ppt/diagrams/layout1.xml><?xml version="1.0" encoding="utf-8"?>
-<dgm:layoutDef xmlns:dgm="http://schemas.openxmlformats.org/drawingml/2006/diagram" xmlns:a="http://schemas.openxmlformats.org/drawingml/2006/main" uniqueId="urn:microsoft.com/office/officeart/2018/5/layout/IconCircleLabelList">
-  <dgm:title val="Icon Circle Label List"/>
-  <dgm:desc val="Use to show non-sequential or grouped chunks of information accompanied by a related visuals. Works best with icons or small pictures with short text captions."/>
+<dgm:layoutDef xmlns:dgm="http://schemas.openxmlformats.org/drawingml/2006/diagram" xmlns:a="http://schemas.openxmlformats.org/drawingml/2006/main" uniqueId="urn:microsoft.com/office/officeart/2018/2/layout/IconCircleList">
+  <dgm:title val="Icon Circle List"/>
+  <dgm:desc val="Use to show non-sequential or grouped chunks of information accompanied by related visuals. Circular shapes can hold an icon or small picture and corresponding text box shows Level 1 text. Works best for icons or small pictures with medium-length descriptions."/>
   <dgm:catLst>
     <dgm:cat type="icon" pri="500"/>
   </dgm:catLst>
@@ -2864,172 +2917,170 @@
       <dgm:dir/>
       <dgm:resizeHandles val="exact"/>
     </dgm:varLst>
-    <dgm:choose name="Name0">
-      <dgm:if name="Name1" axis="self" func="var" arg="dir" op="equ" val="norm">
-        <dgm:alg type="snake">
-          <dgm:param type="grDir" val="tL"/>
-          <dgm:param type="flowDir" val="row"/>
-          <dgm:param type="contDir" val="sameDir"/>
-          <dgm:param type="off" val="ctr"/>
-          <dgm:param type="vertAlign" val="mid"/>
-          <dgm:param type="horzAlign" val="ctr"/>
-        </dgm:alg>
-      </dgm:if>
-      <dgm:else name="Name2">
-        <dgm:alg type="snake">
-          <dgm:param type="grDir" val="tR"/>
-          <dgm:param type="flowDir" val="row"/>
-          <dgm:param type="contDir" val="sameDir"/>
-          <dgm:param type="off" val="ctr"/>
-          <dgm:param type="vertAlign" val="mid"/>
-          <dgm:param type="horzAlign" val="ctr"/>
-        </dgm:alg>
-      </dgm:else>
-    </dgm:choose>
+    <dgm:alg type="sp"/>
     <dgm:shape xmlns:r="http://schemas.openxmlformats.org/officeDocument/2006/relationships" r:blip="">
       <dgm:adjLst/>
     </dgm:shape>
     <dgm:presOf/>
-    <dgm:choose name="Name3">
-      <dgm:if name="Name4" axis="ch" ptType="node" func="cnt" op="lte" val="2">
+    <dgm:choose name="Name0">
+      <dgm:if name="Name1" axis="ch" ptType="node" func="cnt" op="lte" val="3">
         <dgm:constrLst>
-          <dgm:constr type="h" for="ch" forName="compNode" refType="h" fact="0.4"/>
-          <dgm:constr type="w" for="ch" forName="compNode" val="100"/>
-          <dgm:constr type="w" for="ch" forName="sibTrans" refType="w" refFor="ch" refForName="compNode" fact="0.175"/>
-          <dgm:constr type="sp" refType="w" refFor="ch" refForName="compNode" op="equ" fact="0.25"/>
-          <dgm:constr type="primFontSz" for="des" ptType="node" op="equ" val="44"/>
-          <dgm:constr type="h" for="des" forName="compNode" op="equ"/>
-          <dgm:constr type="h" for="des" forName="textRect" op="equ"/>
+          <dgm:constr type="w" for="ch" forName="container" refType="w"/>
+          <dgm:constr type="h" for="ch" forName="container" refType="h" fact="0.4"/>
         </dgm:constrLst>
       </dgm:if>
-      <dgm:if name="Name5" axis="ch" ptType="node" func="cnt" op="lte" val="3">
+      <dgm:else name="Name2">
         <dgm:constrLst>
-          <dgm:constr type="h" for="ch" forName="compNode" refType="h" fact="0.4"/>
-          <dgm:constr type="w" for="ch" forName="compNode" val="100"/>
-          <dgm:constr type="w" for="ch" forName="sibTrans" refType="w" refFor="ch" refForName="compNode" fact="0.175"/>
-          <dgm:constr type="sp" refType="w" refFor="ch" refForName="compNode" op="equ" fact="0.25"/>
-          <dgm:constr type="primFontSz" for="des" ptType="node" op="equ" val="40"/>
-          <dgm:constr type="h" for="des" forName="compNode" op="equ"/>
-          <dgm:constr type="h" for="des" forName="textRect" op="equ"/>
-        </dgm:constrLst>
-      </dgm:if>
-      <dgm:if name="Name6" axis="ch" ptType="node" func="cnt" op="lte" val="4">
-        <dgm:constrLst>
-          <dgm:constr type="h" for="ch" forName="compNode" refType="h" fact="0.4"/>
-          <dgm:constr type="w" for="ch" forName="compNode" refType="w"/>
-          <dgm:constr type="w" for="ch" forName="sibTrans" refType="w" refFor="ch" refForName="compNode" fact="0.175"/>
-          <dgm:constr type="sp" refType="w" refFor="ch" refForName="compNode" op="equ" fact="0.25"/>
-          <dgm:constr type="primFontSz" for="des" ptType="node" op="equ" val="32"/>
-          <dgm:constr type="h" for="des" forName="compNode" op="equ"/>
-          <dgm:constr type="h" for="des" forName="textRect" op="equ"/>
-        </dgm:constrLst>
-      </dgm:if>
-      <dgm:else name="Name7">
-        <dgm:constrLst>
-          <dgm:constr type="h" for="ch" forName="compNode" refType="h" fact="0.4"/>
-          <dgm:constr type="w" for="ch" forName="compNode" refType="w"/>
-          <dgm:constr type="w" for="ch" forName="sibTrans" refType="w" refFor="ch" refForName="compNode" fact="0.175"/>
-          <dgm:constr type="sp" refType="w" refFor="ch" refForName="compNode" op="equ" fact="0.25"/>
-          <dgm:constr type="primFontSz" for="des" ptType="node" op="equ" val="24"/>
-          <dgm:constr type="h" for="des" forName="compNode" op="equ"/>
-          <dgm:constr type="h" for="des" forName="textRect" op="equ"/>
+          <dgm:constr type="w" for="ch" forName="container" refType="w"/>
+          <dgm:constr type="h" for="ch" forName="container" refType="h"/>
         </dgm:constrLst>
       </dgm:else>
     </dgm:choose>
     <dgm:ruleLst>
-      <dgm:rule type="w" for="ch" forName="compNode" val="50" fact="NaN" max="NaN"/>
+      <dgm:rule type="h" for="ch" forName="container" val="INF" fact="NaN" max="NaN"/>
     </dgm:ruleLst>
-    <dgm:forEach name="Name8" axis="ch" ptType="node">
-      <dgm:layoutNode name="compNode">
-        <dgm:alg type="composite"/>
-        <dgm:shape xmlns:r="http://schemas.openxmlformats.org/officeDocument/2006/relationships" r:blip="">
-          <dgm:adjLst/>
-        </dgm:shape>
-        <dgm:presOf axis="self"/>
-        <dgm:constrLst>
-          <dgm:constr type="w" for="ch" forName="iconBgRect" refType="w" fact="0.61"/>
-          <dgm:constr type="h" for="ch" forName="iconBgRect" refType="w" refFor="ch" refForName="iconBgRect"/>
-          <dgm:constr type="t" for="ch" forName="iconBgRect"/>
-          <dgm:constr type="ctrX" for="ch" forName="iconBgRect" refType="w" fact="0.5"/>
-          <dgm:constr type="w" for="ch" forName="iconRect" refType="w" fact="0.35"/>
-          <dgm:constr type="h" for="ch" forName="iconRect" refType="w" refFor="ch" refForName="iconRect"/>
-          <dgm:constr type="ctrX" for="ch" forName="iconRect" refType="ctrX" refFor="ch" refForName="iconBgRect"/>
-          <dgm:constr type="ctrY" for="ch" forName="iconRect" refType="ctrY" refFor="ch" refForName="iconBgRect"/>
-          <dgm:constr type="h" for="ch" forName="spaceRect" refType="w" fact="0.19"/>
-          <dgm:constr type="w" for="ch" forName="spaceRect" refType="w"/>
-          <dgm:constr type="l" for="ch" forName="spaceRect"/>
-          <dgm:constr type="t" for="ch" forName="spaceRect" refType="b" refFor="ch" refForName="iconBgRect"/>
-          <dgm:constr type="h" for="ch" forName="textRect" val="20"/>
-          <dgm:constr type="w" for="ch" forName="textRect" refType="w"/>
-          <dgm:constr type="l" for="ch" forName="textRect"/>
-          <dgm:constr type="t" for="ch" forName="textRect" refType="b" refFor="ch" refForName="spaceRect"/>
-        </dgm:constrLst>
-        <dgm:ruleLst>
-          <dgm:rule type="h" val="INF" fact="NaN" max="NaN"/>
-        </dgm:ruleLst>
-        <dgm:layoutNode name="iconBgRect" styleLbl="bgShp">
-          <dgm:alg type="sp"/>
-          <dgm:shape xmlns:r="http://schemas.openxmlformats.org/officeDocument/2006/relationships" type="ellipse" r:blip="">
-            <dgm:adjLst/>
-          </dgm:shape>
-          <dgm:presOf/>
-          <dgm:constrLst/>
-          <dgm:ruleLst/>
-        </dgm:layoutNode>
-        <dgm:layoutNode name="iconRect" styleLbl="node1">
-          <dgm:alg type="sp"/>
-          <dgm:shape xmlns:r="http://schemas.openxmlformats.org/officeDocument/2006/relationships" type="rect" r:blip="" blipPhldr="1">
-            <dgm:adjLst/>
-          </dgm:shape>
-          <dgm:presOf/>
-          <dgm:constrLst/>
-          <dgm:ruleLst/>
-        </dgm:layoutNode>
-        <dgm:layoutNode name="spaceRect">
-          <dgm:alg type="sp"/>
-          <dgm:shape xmlns:r="http://schemas.openxmlformats.org/officeDocument/2006/relationships" r:blip="">
-            <dgm:adjLst/>
-          </dgm:shape>
-          <dgm:presOf/>
-          <dgm:constrLst/>
-          <dgm:ruleLst/>
-        </dgm:layoutNode>
-        <dgm:layoutNode name="textRect" styleLbl="revTx">
-          <dgm:varLst>
-            <dgm:chMax val="1"/>
-            <dgm:chPref val="1"/>
-          </dgm:varLst>
-          <dgm:alg type="tx">
-            <dgm:param type="txAnchorVert" val="t"/>
+    <dgm:layoutNode name="container">
+      <dgm:varLst>
+        <dgm:dir/>
+        <dgm:resizeHandles val="exact"/>
+      </dgm:varLst>
+      <dgm:choose name="Name3">
+        <dgm:if name="Name4" axis="self" func="var" arg="dir" op="equ" val="norm">
+          <dgm:alg type="snake">
+            <dgm:param type="grDir" val="tL"/>
+            <dgm:param type="flowDir" val="row"/>
+            <dgm:param type="contDir" val="sameDir"/>
           </dgm:alg>
-          <dgm:shape xmlns:r="http://schemas.openxmlformats.org/officeDocument/2006/relationships" type="rect" r:blip="">
-            <dgm:adjLst/>
-          </dgm:shape>
-          <dgm:presOf axis="self" ptType="node"/>
-          <dgm:constrLst>
-            <dgm:constr type="lMarg"/>
-            <dgm:constr type="rMarg"/>
-            <dgm:constr type="tMarg"/>
-            <dgm:constr type="bMarg"/>
-          </dgm:constrLst>
-          <dgm:ruleLst>
-            <dgm:rule type="primFontSz" val="11" fact="NaN" max="NaN"/>
-            <dgm:rule type="h" val="INF" fact="NaN" max="NaN"/>
-          </dgm:ruleLst>
-        </dgm:layoutNode>
-      </dgm:layoutNode>
-      <dgm:forEach name="Name9" axis="followSib" ptType="sibTrans" cnt="1">
-        <dgm:layoutNode name="sibTrans">
-          <dgm:alg type="sp"/>
+        </dgm:if>
+        <dgm:else name="Name5">
+          <dgm:alg type="snake">
+            <dgm:param type="grDir" val="tR"/>
+            <dgm:param type="flowDir" val="row"/>
+            <dgm:param type="contDir" val="sameDir"/>
+          </dgm:alg>
+        </dgm:else>
+      </dgm:choose>
+      <dgm:shape xmlns:r="http://schemas.openxmlformats.org/officeDocument/2006/relationships" r:blip="">
+        <dgm:adjLst/>
+      </dgm:shape>
+      <dgm:presOf/>
+      <dgm:constrLst>
+        <dgm:constr type="w" for="ch" forName="compNode" refType="w"/>
+        <dgm:constr type="h" for="ch" forName="compNode" refType="w" fact="0.28"/>
+        <dgm:constr type="w" for="ch" forName="sibTrans" refType="w" refFor="ch" refForName="compNode" fact="0.115"/>
+        <dgm:constr type="sp" refType="h" op="equ" fact="0.17"/>
+        <dgm:constr type="primFontSz" for="des" ptType="node" op="equ" val="24"/>
+        <dgm:constr type="h" for="des" forName="compNode" op="equ"/>
+        <dgm:constr type="h" for="des" forName="iconBgRect" op="equ"/>
+      </dgm:constrLst>
+      <dgm:ruleLst>
+        <dgm:rule type="w" for="ch" forName="compNode" val="60" fact="NaN" max="NaN"/>
+      </dgm:ruleLst>
+      <dgm:forEach name="Name6" axis="ch" ptType="node">
+        <dgm:layoutNode name="compNode">
+          <dgm:alg type="composite"/>
           <dgm:shape xmlns:r="http://schemas.openxmlformats.org/officeDocument/2006/relationships" r:blip="">
             <dgm:adjLst/>
           </dgm:shape>
           <dgm:presOf axis="self"/>
-          <dgm:constrLst/>
+          <dgm:constrLst>
+            <dgm:constr type="w" for="ch" forName="iconBgRect" refType="w" fact="0.28"/>
+            <dgm:constr type="h" for="ch" forName="iconBgRect" refType="w" refFor="ch" refForName="iconBgRect"/>
+            <dgm:constr type="t" for="ch" forName="iconBgRect"/>
+            <dgm:constr type="l" for="ch" forName="iconBgRect"/>
+            <dgm:constr type="w" for="ch" forName="iconRect" refType="w" refFor="ch" refForName="iconBgRect" fact="0.58"/>
+            <dgm:constr type="h" for="ch" forName="iconRect" refType="w" refFor="ch" refForName="iconRect"/>
+            <dgm:constr type="ctrX" for="ch" forName="iconRect" refType="ctrX" refFor="ch" refForName="iconBgRect"/>
+            <dgm:constr type="ctrY" for="ch" forName="iconRect" refType="ctrY" refFor="ch" refForName="iconBgRect"/>
+            <dgm:constr type="w" for="ch" forName="spaceRect" refType="w" fact="0.06"/>
+            <dgm:constr type="h" for="ch" forName="spaceRect" refType="h" refFor="ch" refForName="iconBgRect"/>
+            <dgm:constr type="t" for="ch" forName="spaceRect" refType="t" refFor="ch" refForName="iconBgRect"/>
+            <dgm:constr type="l" for="ch" forName="spaceRect" refType="r" refFor="ch" refForName="iconBgRect"/>
+            <dgm:constr type="h" for="ch" forName="textRect" refType="h" refFor="ch" refForName="iconBgRect"/>
+            <dgm:constr type="t" for="ch" forName="textRect" refType="t" refFor="ch" refForName="iconBgRect"/>
+            <dgm:constr type="l" for="ch" forName="textRect" refType="r" refFor="ch" refForName="spaceRect"/>
+          </dgm:constrLst>
           <dgm:ruleLst/>
+          <dgm:layoutNode name="iconBgRect" styleLbl="bgShp">
+            <dgm:alg type="sp"/>
+            <dgm:shape xmlns:r="http://schemas.openxmlformats.org/officeDocument/2006/relationships" type="ellipse" r:blip="">
+              <dgm:adjLst/>
+            </dgm:shape>
+            <dgm:presOf/>
+            <dgm:constrLst/>
+            <dgm:ruleLst/>
+          </dgm:layoutNode>
+          <dgm:layoutNode name="iconRect" styleLbl="node1">
+            <dgm:alg type="sp"/>
+            <dgm:shape xmlns:r="http://schemas.openxmlformats.org/officeDocument/2006/relationships" type="rect" r:blip="" blipPhldr="1">
+              <dgm:adjLst/>
+            </dgm:shape>
+            <dgm:presOf/>
+            <dgm:constrLst/>
+            <dgm:ruleLst/>
+          </dgm:layoutNode>
+          <dgm:layoutNode name="spaceRect">
+            <dgm:alg type="sp"/>
+            <dgm:shape xmlns:r="http://schemas.openxmlformats.org/officeDocument/2006/relationships" r:blip="">
+              <dgm:adjLst/>
+            </dgm:shape>
+            <dgm:presOf/>
+            <dgm:constrLst/>
+            <dgm:ruleLst/>
+          </dgm:layoutNode>
+          <dgm:layoutNode name="textRect" styleLbl="revTx">
+            <dgm:varLst>
+              <dgm:chMax val="1"/>
+              <dgm:chPref val="1"/>
+            </dgm:varLst>
+            <dgm:choose name="Name7">
+              <dgm:if name="Name8" func="var" arg="dir" op="equ" val="norm">
+                <dgm:alg type="tx">
+                  <dgm:param type="txAnchorVert" val="mid"/>
+                  <dgm:param type="parTxLTRAlign" val="l"/>
+                  <dgm:param type="shpTxLTRAlignCh" val="l"/>
+                  <dgm:param type="parTxRTLAlign" val="l"/>
+                  <dgm:param type="shpTxRTLAlignCh" val="l"/>
+                </dgm:alg>
+              </dgm:if>
+              <dgm:else name="Name9">
+                <dgm:alg type="tx">
+                  <dgm:param type="txAnchorVert" val="mid"/>
+                  <dgm:param type="parTxLTRAlign" val="r"/>
+                  <dgm:param type="shpTxLTRAlignCh" val="r"/>
+                  <dgm:param type="parTxRTLAlign" val="r"/>
+                  <dgm:param type="shpTxRTLAlignCh" val="r"/>
+                </dgm:alg>
+              </dgm:else>
+            </dgm:choose>
+            <dgm:shape xmlns:r="http://schemas.openxmlformats.org/officeDocument/2006/relationships" type="rect" r:blip="">
+              <dgm:adjLst/>
+            </dgm:shape>
+            <dgm:presOf axis="self" ptType="node"/>
+            <dgm:constrLst>
+              <dgm:constr type="lMarg"/>
+              <dgm:constr type="rMarg"/>
+              <dgm:constr type="tMarg"/>
+              <dgm:constr type="bMarg"/>
+            </dgm:constrLst>
+            <dgm:ruleLst>
+              <dgm:rule type="primFontSz" val="11" fact="NaN" max="NaN"/>
+            </dgm:ruleLst>
+          </dgm:layoutNode>
         </dgm:layoutNode>
+        <dgm:forEach name="Name10" axis="followSib" ptType="sibTrans" cnt="1">
+          <dgm:layoutNode name="sibTrans">
+            <dgm:alg type="sp"/>
+            <dgm:shape xmlns:r="http://schemas.openxmlformats.org/officeDocument/2006/relationships" type="rect" r:blip="" hideGeom="1">
+              <dgm:adjLst/>
+            </dgm:shape>
+            <dgm:presOf axis="self"/>
+            <dgm:constrLst/>
+            <dgm:ruleLst/>
+          </dgm:layoutNode>
+        </dgm:forEach>
       </dgm:forEach>
-    </dgm:forEach>
+    </dgm:layoutNode>
   </dgm:layoutNode>
   <dgm:extLst>
     <a:ext uri="{68A01E43-0DF5-4B5B-8FA6-DAF915123BFB}">
@@ -3038,7 +3089,6 @@
           <a:lnSpc>
             <a:spcPct val="100000"/>
           </a:lnSpc>
-          <a:defRPr cap="all"/>
         </a:lvl1pPr>
       </dgm1612:lstStyle>
     </a:ext>
@@ -4256,7 +4306,7 @@
           <a:p>
             <a:fld id="{D0059409-0213-49F5-9FB1-5FD0277D82C4}" type="datetimeFigureOut">
               <a:rPr lang="en-US" smtClean="0"/>
-              <a:t>3/3/2021</a:t>
+              <a:t>3/15/2021</a:t>
             </a:fld>
             <a:endParaRPr lang="en-US"/>
           </a:p>
@@ -4426,7 +4476,7 @@
           <a:p>
             <a:fld id="{D0059409-0213-49F5-9FB1-5FD0277D82C4}" type="datetimeFigureOut">
               <a:rPr lang="en-US" smtClean="0"/>
-              <a:t>3/3/2021</a:t>
+              <a:t>3/15/2021</a:t>
             </a:fld>
             <a:endParaRPr lang="en-US"/>
           </a:p>
@@ -4649,7 +4699,7 @@
           <a:p>
             <a:fld id="{D0059409-0213-49F5-9FB1-5FD0277D82C4}" type="datetimeFigureOut">
               <a:rPr lang="en-US" smtClean="0"/>
-              <a:t>3/3/2021</a:t>
+              <a:t>3/15/2021</a:t>
             </a:fld>
             <a:endParaRPr lang="en-US"/>
           </a:p>
@@ -4829,7 +4879,7 @@
           <a:p>
             <a:fld id="{D0059409-0213-49F5-9FB1-5FD0277D82C4}" type="datetimeFigureOut">
               <a:rPr lang="en-US" smtClean="0"/>
-              <a:t>3/3/2021</a:t>
+              <a:t>3/15/2021</a:t>
             </a:fld>
             <a:endParaRPr lang="en-US"/>
           </a:p>
@@ -5135,7 +5185,7 @@
           <a:p>
             <a:fld id="{D0059409-0213-49F5-9FB1-5FD0277D82C4}" type="datetimeFigureOut">
               <a:rPr lang="en-US" smtClean="0"/>
-              <a:t>3/3/2021</a:t>
+              <a:t>3/15/2021</a:t>
             </a:fld>
             <a:endParaRPr lang="en-US"/>
           </a:p>
@@ -5439,7 +5489,7 @@
           <a:p>
             <a:fld id="{D0059409-0213-49F5-9FB1-5FD0277D82C4}" type="datetimeFigureOut">
               <a:rPr lang="en-US" smtClean="0"/>
-              <a:t>3/3/2021</a:t>
+              <a:t>3/15/2021</a:t>
             </a:fld>
             <a:endParaRPr lang="en-US"/>
           </a:p>
@@ -5861,7 +5911,7 @@
           <a:p>
             <a:fld id="{D0059409-0213-49F5-9FB1-5FD0277D82C4}" type="datetimeFigureOut">
               <a:rPr lang="en-US" smtClean="0"/>
-              <a:t>3/3/2021</a:t>
+              <a:t>3/15/2021</a:t>
             </a:fld>
             <a:endParaRPr lang="en-US"/>
           </a:p>
@@ -5979,7 +6029,7 @@
           <a:p>
             <a:fld id="{D0059409-0213-49F5-9FB1-5FD0277D82C4}" type="datetimeFigureOut">
               <a:rPr lang="en-US" smtClean="0"/>
-              <a:t>3/3/2021</a:t>
+              <a:t>3/15/2021</a:t>
             </a:fld>
             <a:endParaRPr lang="en-US"/>
           </a:p>
@@ -6074,7 +6124,7 @@
           <a:p>
             <a:fld id="{D0059409-0213-49F5-9FB1-5FD0277D82C4}" type="datetimeFigureOut">
               <a:rPr lang="en-US" smtClean="0"/>
-              <a:t>3/3/2021</a:t>
+              <a:t>3/15/2021</a:t>
             </a:fld>
             <a:endParaRPr lang="en-US"/>
           </a:p>
@@ -6347,7 +6397,7 @@
           <a:p>
             <a:fld id="{D0059409-0213-49F5-9FB1-5FD0277D82C4}" type="datetimeFigureOut">
               <a:rPr lang="en-US" smtClean="0"/>
-              <a:t>3/3/2021</a:t>
+              <a:t>3/15/2021</a:t>
             </a:fld>
             <a:endParaRPr lang="en-US"/>
           </a:p>
@@ -6612,7 +6662,7 @@
           <a:p>
             <a:fld id="{D0059409-0213-49F5-9FB1-5FD0277D82C4}" type="datetimeFigureOut">
               <a:rPr lang="en-US" smtClean="0"/>
-              <a:t>3/3/2021</a:t>
+              <a:t>3/15/2021</a:t>
             </a:fld>
             <a:endParaRPr lang="en-US"/>
           </a:p>
@@ -6861,7 +6911,7 @@
           <a:p>
             <a:fld id="{D0059409-0213-49F5-9FB1-5FD0277D82C4}" type="datetimeFigureOut">
               <a:rPr lang="en-US" smtClean="0"/>
-              <a:t>3/3/2021</a:t>
+              <a:t>3/15/2021</a:t>
             </a:fld>
             <a:endParaRPr lang="en-US"/>
           </a:p>
@@ -7326,10 +7376,230 @@
       </p:grpSpPr>
       <p:sp>
         <p:nvSpPr>
-          <p:cNvPr id="22" name="Rectangle 18">
+          <p:cNvPr id="11" name="Rectangle 10">
             <a:extLst>
               <a:ext uri="{FF2B5EF4-FFF2-40B4-BE49-F238E27FC236}">
-                <a16:creationId xmlns:a16="http://schemas.microsoft.com/office/drawing/2014/main" id="{C67564D6-576C-45C9-B7EA-F7701B149F73}"/>
+                <a16:creationId xmlns:a16="http://schemas.microsoft.com/office/drawing/2014/main" id="{8B3AE79A-6B95-44C3-B0A5-80E2F3E60606}"/>
+              </a:ext>
+              <a:ext uri="{C183D7F6-B498-43B3-948B-1728B52AA6E4}">
+                <adec:decorative xmlns:adec="http://schemas.microsoft.com/office/drawing/2017/decorative" val="1"/>
+              </a:ext>
+            </a:extLst>
+          </p:cNvPr>
+          <p:cNvSpPr>
+            <a:spLocks noGrp="1" noRot="1" noChangeAspect="1" noMove="1" noResize="1" noEditPoints="1" noAdjustHandles="1" noChangeArrowheads="1" noChangeShapeType="1" noTextEdit="1"/>
+          </p:cNvSpPr>
+          <p:nvPr>
+            <p:extLst>
+              <p:ext uri="{386F3935-93C4-4BCD-93E2-E3B085C9AB24}">
+                <p16:designElem xmlns:p16="http://schemas.microsoft.com/office/powerpoint/2015/main" val="1"/>
+              </p:ext>
+            </p:extLst>
+          </p:nvPr>
+        </p:nvSpPr>
+        <p:spPr>
+          <a:xfrm>
+            <a:off x="7540358" y="0"/>
+            <a:ext cx="4651642" cy="6858000"/>
+          </a:xfrm>
+          <a:prstGeom prst="rect">
+            <a:avLst/>
+          </a:prstGeom>
+          <a:solidFill>
+            <a:schemeClr val="tx2"/>
+          </a:solidFill>
+          <a:ln>
+            <a:noFill/>
+          </a:ln>
+        </p:spPr>
+        <p:style>
+          <a:lnRef idx="2">
+            <a:schemeClr val="accent1">
+              <a:shade val="50000"/>
+            </a:schemeClr>
+          </a:lnRef>
+          <a:fillRef idx="1">
+            <a:schemeClr val="accent1"/>
+          </a:fillRef>
+          <a:effectRef idx="0">
+            <a:schemeClr val="accent1"/>
+          </a:effectRef>
+          <a:fontRef idx="minor">
+            <a:schemeClr val="lt1"/>
+          </a:fontRef>
+        </p:style>
+        <p:txBody>
+          <a:bodyPr rtlCol="0" anchor="ctr"/>
+          <a:lstStyle/>
+          <a:p>
+            <a:pPr algn="ctr"/>
+            <a:endParaRPr lang="en-US"/>
+          </a:p>
+        </p:txBody>
+      </p:sp>
+      <p:sp>
+        <p:nvSpPr>
+          <p:cNvPr id="13" name="Rectangle 12">
+            <a:extLst>
+              <a:ext uri="{FF2B5EF4-FFF2-40B4-BE49-F238E27FC236}">
+                <a16:creationId xmlns:a16="http://schemas.microsoft.com/office/drawing/2014/main" id="{4A49FE10-080D-48D7-80FF-9A64D270AD87}"/>
+              </a:ext>
+              <a:ext uri="{C183D7F6-B498-43B3-948B-1728B52AA6E4}">
+                <adec:decorative xmlns:adec="http://schemas.microsoft.com/office/drawing/2017/decorative" val="1"/>
+              </a:ext>
+            </a:extLst>
+          </p:cNvPr>
+          <p:cNvSpPr>
+            <a:spLocks noGrp="1" noRot="1" noChangeAspect="1" noMove="1" noResize="1" noEditPoints="1" noAdjustHandles="1" noChangeArrowheads="1" noChangeShapeType="1" noTextEdit="1"/>
+          </p:cNvSpPr>
+          <p:nvPr>
+            <p:extLst>
+              <p:ext uri="{386F3935-93C4-4BCD-93E2-E3B085C9AB24}">
+                <p16:designElem xmlns:p16="http://schemas.microsoft.com/office/powerpoint/2015/main" val="1"/>
+              </p:ext>
+            </p:extLst>
+          </p:nvPr>
+        </p:nvSpPr>
+        <p:spPr>
+          <a:xfrm>
+            <a:off x="7534551" y="2054942"/>
+            <a:ext cx="4657449" cy="1828799"/>
+          </a:xfrm>
+          <a:prstGeom prst="rect">
+            <a:avLst/>
+          </a:prstGeom>
+          <a:solidFill>
+            <a:schemeClr val="bg1"/>
+          </a:solidFill>
+          <a:ln>
+            <a:noFill/>
+          </a:ln>
+        </p:spPr>
+        <p:style>
+          <a:lnRef idx="2">
+            <a:schemeClr val="accent1">
+              <a:shade val="50000"/>
+            </a:schemeClr>
+          </a:lnRef>
+          <a:fillRef idx="1">
+            <a:schemeClr val="accent1"/>
+          </a:fillRef>
+          <a:effectRef idx="0">
+            <a:schemeClr val="accent1"/>
+          </a:effectRef>
+          <a:fontRef idx="minor">
+            <a:schemeClr val="lt1"/>
+          </a:fontRef>
+        </p:style>
+        <p:txBody>
+          <a:bodyPr rtlCol="0" anchor="ctr"/>
+          <a:lstStyle/>
+          <a:p>
+            <a:pPr algn="ctr"/>
+            <a:endParaRPr lang="en-US"/>
+          </a:p>
+        </p:txBody>
+      </p:sp>
+      <p:sp>
+        <p:nvSpPr>
+          <p:cNvPr id="2" name="Title 1">
+            <a:extLst>
+              <a:ext uri="{FF2B5EF4-FFF2-40B4-BE49-F238E27FC236}">
+                <a16:creationId xmlns:a16="http://schemas.microsoft.com/office/drawing/2014/main" id="{7698AA4C-710F-492E-BA37-F8A481F72B23}"/>
+              </a:ext>
+            </a:extLst>
+          </p:cNvPr>
+          <p:cNvSpPr>
+            <a:spLocks noGrp="1"/>
+          </p:cNvSpPr>
+          <p:nvPr>
+            <p:ph type="ctrTitle"/>
+          </p:nvPr>
+        </p:nvSpPr>
+        <p:spPr>
+          <a:xfrm>
+            <a:off x="7865806" y="2194560"/>
+            <a:ext cx="4001729" cy="1739347"/>
+          </a:xfrm>
+        </p:spPr>
+        <p:txBody>
+          <a:bodyPr>
+            <a:normAutofit/>
+          </a:bodyPr>
+          <a:lstStyle/>
+          <a:p>
+            <a:r>
+              <a:rPr lang="en-US" sz="4800" b="1">
+                <a:solidFill>
+                  <a:schemeClr val="tx2"/>
+                </a:solidFill>
+                <a:latin typeface="Daytona Pro Condensed Light" panose="020B0604020202020204" pitchFamily="34" charset="0"/>
+              </a:rPr>
+              <a:t>Change Forecast</a:t>
+            </a:r>
+          </a:p>
+        </p:txBody>
+      </p:sp>
+      <p:sp>
+        <p:nvSpPr>
+          <p:cNvPr id="3" name="Subtitle 2">
+            <a:extLst>
+              <a:ext uri="{FF2B5EF4-FFF2-40B4-BE49-F238E27FC236}">
+                <a16:creationId xmlns:a16="http://schemas.microsoft.com/office/drawing/2014/main" id="{2023BDC3-BCAC-467E-972F-D61D28EF6837}"/>
+              </a:ext>
+            </a:extLst>
+          </p:cNvPr>
+          <p:cNvSpPr>
+            <a:spLocks noGrp="1"/>
+          </p:cNvSpPr>
+          <p:nvPr>
+            <p:ph type="subTitle" idx="1"/>
+          </p:nvPr>
+        </p:nvSpPr>
+        <p:spPr>
+          <a:xfrm>
+            <a:off x="7865806" y="3996250"/>
+            <a:ext cx="4003106" cy="1942434"/>
+          </a:xfrm>
+        </p:spPr>
+        <p:txBody>
+          <a:bodyPr>
+            <a:normAutofit/>
+          </a:bodyPr>
+          <a:lstStyle/>
+          <a:p>
+            <a:endParaRPr lang="it-IT" sz="1800">
+              <a:solidFill>
+                <a:schemeClr val="bg2"/>
+              </a:solidFill>
+            </a:endParaRPr>
+          </a:p>
+          <a:p>
+            <a:r>
+              <a:rPr lang="it-IT" sz="1800" b="1">
+                <a:solidFill>
+                  <a:schemeClr val="bg2"/>
+                </a:solidFill>
+                <a:latin typeface="Daytona Pro Condensed Light" panose="020B0306030503040204" pitchFamily="34" charset="0"/>
+              </a:rPr>
+              <a:t>G Dog and the Coding Ninjas</a:t>
+            </a:r>
+          </a:p>
+          <a:p>
+            <a:endParaRPr lang="en-US" sz="1800">
+              <a:solidFill>
+                <a:schemeClr val="bg2"/>
+              </a:solidFill>
+            </a:endParaRPr>
+          </a:p>
+        </p:txBody>
+      </p:sp>
+      <p:sp>
+        <p:nvSpPr>
+          <p:cNvPr id="15" name="Rectangle 14">
+            <a:extLst>
+              <a:ext uri="{FF2B5EF4-FFF2-40B4-BE49-F238E27FC236}">
+                <a16:creationId xmlns:a16="http://schemas.microsoft.com/office/drawing/2014/main" id="{60A9E987-6859-4A62-922F-51B47D50D793}"/>
               </a:ext>
               <a:ext uri="{C183D7F6-B498-43B3-948B-1728B52AA6E4}">
                 <adec:decorative xmlns:adec="http://schemas.microsoft.com/office/drawing/2017/decorative" val="1"/>
@@ -7350,7 +7620,7 @@
         <p:spPr>
           <a:xfrm>
             <a:off x="0" y="0"/>
-            <a:ext cx="4630994" cy="6858000"/>
+            <a:ext cx="7540358" cy="6858000"/>
           </a:xfrm>
           <a:prstGeom prst="rect">
             <a:avLst/>
@@ -7387,218 +7657,6 @@
           </a:p>
         </p:txBody>
       </p:sp>
-      <p:sp>
-        <p:nvSpPr>
-          <p:cNvPr id="21" name="Rectangle 20">
-            <a:extLst>
-              <a:ext uri="{FF2B5EF4-FFF2-40B4-BE49-F238E27FC236}">
-                <a16:creationId xmlns:a16="http://schemas.microsoft.com/office/drawing/2014/main" id="{F9060CEE-D73E-44ED-A407-C828C9E4D942}"/>
-              </a:ext>
-              <a:ext uri="{C183D7F6-B498-43B3-948B-1728B52AA6E4}">
-                <adec:decorative xmlns:adec="http://schemas.microsoft.com/office/drawing/2017/decorative" val="1"/>
-              </a:ext>
-            </a:extLst>
-          </p:cNvPr>
-          <p:cNvSpPr>
-            <a:spLocks noGrp="1" noRot="1" noChangeAspect="1" noMove="1" noResize="1" noEditPoints="1" noAdjustHandles="1" noChangeArrowheads="1" noChangeShapeType="1" noTextEdit="1"/>
-          </p:cNvSpPr>
-          <p:nvPr>
-            <p:extLst>
-              <p:ext uri="{386F3935-93C4-4BCD-93E2-E3B085C9AB24}">
-                <p16:designElem xmlns:p16="http://schemas.microsoft.com/office/powerpoint/2015/main" val="1"/>
-              </p:ext>
-            </p:extLst>
-          </p:nvPr>
-        </p:nvSpPr>
-        <p:spPr>
-          <a:xfrm>
-            <a:off x="4630994" y="0"/>
-            <a:ext cx="7561006" cy="6858000"/>
-          </a:xfrm>
-          <a:prstGeom prst="rect">
-            <a:avLst/>
-          </a:prstGeom>
-          <a:solidFill>
-            <a:schemeClr val="tx2"/>
-          </a:solidFill>
-          <a:ln>
-            <a:noFill/>
-          </a:ln>
-        </p:spPr>
-        <p:style>
-          <a:lnRef idx="2">
-            <a:schemeClr val="accent1">
-              <a:shade val="50000"/>
-            </a:schemeClr>
-          </a:lnRef>
-          <a:fillRef idx="1">
-            <a:schemeClr val="accent1"/>
-          </a:fillRef>
-          <a:effectRef idx="0">
-            <a:schemeClr val="accent1"/>
-          </a:effectRef>
-          <a:fontRef idx="minor">
-            <a:schemeClr val="lt1"/>
-          </a:fontRef>
-        </p:style>
-        <p:txBody>
-          <a:bodyPr rtlCol="0" anchor="ctr"/>
-          <a:lstStyle/>
-          <a:p>
-            <a:pPr algn="ctr"/>
-            <a:endParaRPr lang="en-US"/>
-          </a:p>
-        </p:txBody>
-      </p:sp>
-      <p:sp>
-        <p:nvSpPr>
-          <p:cNvPr id="23" name="Rectangle 22">
-            <a:extLst>
-              <a:ext uri="{FF2B5EF4-FFF2-40B4-BE49-F238E27FC236}">
-                <a16:creationId xmlns:a16="http://schemas.microsoft.com/office/drawing/2014/main" id="{AF0B544C-FD6C-42D8-B6B7-DDF7E60D035D}"/>
-              </a:ext>
-              <a:ext uri="{C183D7F6-B498-43B3-948B-1728B52AA6E4}">
-                <adec:decorative xmlns:adec="http://schemas.microsoft.com/office/drawing/2017/decorative" val="1"/>
-              </a:ext>
-            </a:extLst>
-          </p:cNvPr>
-          <p:cNvSpPr>
-            <a:spLocks noGrp="1" noRot="1" noChangeAspect="1" noMove="1" noResize="1" noEditPoints="1" noAdjustHandles="1" noChangeArrowheads="1" noChangeShapeType="1" noTextEdit="1"/>
-          </p:cNvSpPr>
-          <p:nvPr>
-            <p:extLst>
-              <p:ext uri="{386F3935-93C4-4BCD-93E2-E3B085C9AB24}">
-                <p16:designElem xmlns:p16="http://schemas.microsoft.com/office/powerpoint/2015/main" val="1"/>
-              </p:ext>
-            </p:extLst>
-          </p:nvPr>
-        </p:nvSpPr>
-        <p:spPr>
-          <a:xfrm>
-            <a:off x="4630994" y="2059012"/>
-            <a:ext cx="7561006" cy="1828800"/>
-          </a:xfrm>
-          <a:prstGeom prst="rect">
-            <a:avLst/>
-          </a:prstGeom>
-          <a:solidFill>
-            <a:schemeClr val="bg1"/>
-          </a:solidFill>
-          <a:ln>
-            <a:noFill/>
-          </a:ln>
-        </p:spPr>
-        <p:style>
-          <a:lnRef idx="2">
-            <a:schemeClr val="accent1">
-              <a:shade val="50000"/>
-            </a:schemeClr>
-          </a:lnRef>
-          <a:fillRef idx="1">
-            <a:schemeClr val="accent1"/>
-          </a:fillRef>
-          <a:effectRef idx="0">
-            <a:schemeClr val="accent1"/>
-          </a:effectRef>
-          <a:fontRef idx="minor">
-            <a:schemeClr val="lt1"/>
-          </a:fontRef>
-        </p:style>
-      </p:sp>
-      <p:sp>
-        <p:nvSpPr>
-          <p:cNvPr id="2" name="Title 1">
-            <a:extLst>
-              <a:ext uri="{FF2B5EF4-FFF2-40B4-BE49-F238E27FC236}">
-                <a16:creationId xmlns:a16="http://schemas.microsoft.com/office/drawing/2014/main" id="{7698AA4C-710F-492E-BA37-F8A481F72B23}"/>
-              </a:ext>
-            </a:extLst>
-          </p:cNvPr>
-          <p:cNvSpPr>
-            <a:spLocks noGrp="1"/>
-          </p:cNvSpPr>
-          <p:nvPr>
-            <p:ph type="ctrTitle"/>
-          </p:nvPr>
-        </p:nvSpPr>
-        <p:spPr>
-          <a:xfrm>
-            <a:off x="4963246" y="2194560"/>
-            <a:ext cx="6905666" cy="1739347"/>
-          </a:xfrm>
-        </p:spPr>
-        <p:txBody>
-          <a:bodyPr>
-            <a:normAutofit/>
-          </a:bodyPr>
-          <a:lstStyle/>
-          <a:p>
-            <a:r>
-              <a:rPr lang="en-US" b="1" dirty="0">
-                <a:solidFill>
-                  <a:schemeClr val="tx2"/>
-                </a:solidFill>
-                <a:latin typeface="Daytona Pro Condensed Light" panose="020B0604020202020204" pitchFamily="34" charset="0"/>
-              </a:rPr>
-              <a:t>Change Forecast</a:t>
-            </a:r>
-          </a:p>
-        </p:txBody>
-      </p:sp>
-      <p:sp>
-        <p:nvSpPr>
-          <p:cNvPr id="3" name="Subtitle 2">
-            <a:extLst>
-              <a:ext uri="{FF2B5EF4-FFF2-40B4-BE49-F238E27FC236}">
-                <a16:creationId xmlns:a16="http://schemas.microsoft.com/office/drawing/2014/main" id="{2023BDC3-BCAC-467E-972F-D61D28EF6837}"/>
-              </a:ext>
-            </a:extLst>
-          </p:cNvPr>
-          <p:cNvSpPr>
-            <a:spLocks noGrp="1"/>
-          </p:cNvSpPr>
-          <p:nvPr>
-            <p:ph type="subTitle" idx="1"/>
-          </p:nvPr>
-        </p:nvSpPr>
-        <p:spPr>
-          <a:xfrm>
-            <a:off x="4963246" y="3996250"/>
-            <a:ext cx="6905666" cy="1942434"/>
-          </a:xfrm>
-        </p:spPr>
-        <p:txBody>
-          <a:bodyPr>
-            <a:normAutofit/>
-          </a:bodyPr>
-          <a:lstStyle/>
-          <a:p>
-            <a:endParaRPr lang="it-IT" sz="4000" dirty="0">
-              <a:solidFill>
-                <a:schemeClr val="bg2"/>
-              </a:solidFill>
-            </a:endParaRPr>
-          </a:p>
-          <a:p>
-            <a:r>
-              <a:rPr lang="it-IT" sz="4000" b="1" dirty="0">
-                <a:solidFill>
-                  <a:schemeClr val="bg2"/>
-                </a:solidFill>
-                <a:latin typeface="Daytona Pro Condensed Light" panose="020B0306030503040204" pitchFamily="34" charset="0"/>
-              </a:rPr>
-              <a:t>G Dog and the Coding Ninjas</a:t>
-            </a:r>
-          </a:p>
-          <a:p>
-            <a:endParaRPr lang="en-US" dirty="0">
-              <a:solidFill>
-                <a:schemeClr val="bg2"/>
-              </a:solidFill>
-            </a:endParaRPr>
-          </a:p>
-        </p:txBody>
-      </p:sp>
       <p:pic>
         <p:nvPicPr>
           <p:cNvPr id="6" name="Picture 5">
@@ -7627,8 +7685,8 @@
         </p:blipFill>
         <p:spPr>
           <a:xfrm>
-            <a:off x="63499" y="1673508"/>
-            <a:ext cx="4401369" cy="3071211"/>
+            <a:off x="634275" y="1379659"/>
+            <a:ext cx="6266001" cy="4057236"/>
           </a:xfrm>
           <a:prstGeom prst="rect">
             <a:avLst/>
@@ -7940,9 +7998,8 @@
           </a:bodyPr>
           <a:lstStyle/>
           <a:p>
-            <a:pPr algn="ctr"/>
-            <a:r>
-              <a:rPr lang="en-US" dirty="0"/>
+            <a:r>
+              <a:rPr lang="en-US"/>
               <a:t>Overview</a:t>
             </a:r>
           </a:p>
@@ -7964,14 +8021,14 @@
             <p:ph idx="1"/>
             <p:extLst>
               <p:ext uri="{D42A27DB-BD31-4B8C-83A1-F6EECF244321}">
-                <p14:modId xmlns:p14="http://schemas.microsoft.com/office/powerpoint/2010/main" val="3194540560"/>
+                <p14:modId xmlns:p14="http://schemas.microsoft.com/office/powerpoint/2010/main" val="2227164322"/>
               </p:ext>
             </p:extLst>
           </p:nvPr>
         </p:nvGraphicFramePr>
         <p:xfrm>
-          <a:off x="557758" y="1990820"/>
-          <a:ext cx="10967491" cy="3416205"/>
+          <a:off x="317803" y="1956566"/>
+          <a:ext cx="3724808" cy="4312118"/>
         </p:xfrm>
         <a:graphic>
           <a:graphicData uri="http://schemas.openxmlformats.org/drawingml/2006/diagram">
@@ -8054,12 +8111,14 @@
           </a:xfrm>
         </p:spPr>
         <p:txBody>
-          <a:bodyPr/>
+          <a:bodyPr>
+            <a:normAutofit fontScale="70000" lnSpcReduction="20000"/>
+          </a:bodyPr>
           <a:lstStyle/>
           <a:p>
             <a:r>
               <a:rPr lang="en-US" dirty="0"/>
-              <a:t>You are responsible for managing changes and you need a quick way to report on upcoming major change activity</a:t>
+              <a:t>You are responsible for infrastructure stability and you need a quick way to view   upcoming major change activity</a:t>
             </a:r>
           </a:p>
           <a:p>
@@ -8072,8 +8131,53 @@
             <a:pPr lvl="1"/>
             <a:r>
               <a:rPr lang="en-US" dirty="0"/>
-              <a:t>Provides a consolidated view of changes data and graphical views </a:t>
-            </a:r>
+              <a:t>Provides a consolidated view of change data and graphical views</a:t>
+            </a:r>
+          </a:p>
+          <a:p>
+            <a:r>
+              <a:rPr lang="en-US" dirty="0"/>
+              <a:t>Provides seven day forecast using weather </a:t>
+            </a:r>
+          </a:p>
+          <a:p>
+            <a:r>
+              <a:rPr lang="en-US" dirty="0"/>
+              <a:t>Provides data based on current day, week,  and one month</a:t>
+            </a:r>
+          </a:p>
+          <a:p>
+            <a:endParaRPr lang="en-US" dirty="0"/>
+          </a:p>
+          <a:p>
+            <a:endParaRPr lang="en-US" dirty="0"/>
+          </a:p>
+          <a:p>
+            <a:pPr lvl="1"/>
+            <a:endParaRPr lang="en-US" dirty="0"/>
+          </a:p>
+          <a:p>
+            <a:pPr lvl="1"/>
+            <a:endParaRPr lang="en-US" dirty="0"/>
+          </a:p>
+          <a:p>
+            <a:pPr lvl="1"/>
+            <a:endParaRPr lang="en-US" dirty="0"/>
+          </a:p>
+          <a:p>
+            <a:pPr marL="228600" lvl="1" indent="0">
+              <a:buNone/>
+            </a:pPr>
+            <a:r>
+              <a:rPr lang="en-US" dirty="0"/>
+              <a:t> </a:t>
+            </a:r>
+          </a:p>
+          <a:p>
+            <a:pPr marL="228600" lvl="1" indent="0">
+              <a:buNone/>
+            </a:pPr>
+            <a:endParaRPr lang="en-US" dirty="0"/>
           </a:p>
         </p:txBody>
       </p:sp>
@@ -8158,15 +8262,36 @@
             </a:r>
           </a:p>
           <a:p>
+            <a:pPr lvl="1"/>
+            <a:r>
+              <a:rPr lang="en-US" sz="1800" dirty="0"/>
+              <a:t>Change-forecast is a web tool that is a personal change management assistant that uses API’s to collect change information.  </a:t>
+            </a:r>
+          </a:p>
+          <a:p>
             <a:r>
               <a:rPr lang="en-US" sz="2000" dirty="0"/>
               <a:t>Motivation</a:t>
             </a:r>
           </a:p>
           <a:p>
+            <a:pPr lvl="1"/>
+            <a:r>
+              <a:rPr lang="en-US" sz="1800" dirty="0"/>
+              <a:t>There is not a simple tool to quickly gather change request data and present to a user in a clean consolidated format to quickly assess major changes.</a:t>
+            </a:r>
+          </a:p>
+          <a:p>
             <a:r>
               <a:rPr lang="en-US" sz="2000" dirty="0"/>
               <a:t>User Story</a:t>
+            </a:r>
+          </a:p>
+          <a:p>
+            <a:pPr lvl="1"/>
+            <a:r>
+              <a:rPr lang="en-US" sz="1800" dirty="0"/>
+              <a:t>A user enters change requests into the database and is provided with the option of viewing the change forecast,  dashboard view of changes, or raw change data report.</a:t>
             </a:r>
           </a:p>
           <a:p>
@@ -8291,8 +8416,8 @@
         </p:nvSpPr>
         <p:spPr>
           <a:xfrm>
-            <a:off x="1143000" y="2133600"/>
-            <a:ext cx="4876800" cy="3894667"/>
+            <a:off x="876299" y="1933575"/>
+            <a:ext cx="10696575" cy="3894667"/>
           </a:xfrm>
         </p:spPr>
         <p:txBody>
@@ -8303,7 +8428,7 @@
           <a:p>
             <a:r>
               <a:rPr lang="en-US" sz="2000" dirty="0"/>
-              <a:t>Technology</a:t>
+              <a:t>Technologies</a:t>
             </a:r>
           </a:p>
           <a:p>
@@ -8312,10 +8437,9 @@
               <a:buChar char="o"/>
             </a:pPr>
             <a:r>
-              <a:rPr lang="en-US" sz="2000" dirty="0" err="1"/>
-              <a:t>dotenv</a:t>
-            </a:r>
-            <a:endParaRPr lang="en-US" sz="2000" dirty="0"/>
+              <a:rPr lang="en-US" dirty="0"/>
+              <a:t>Passport</a:t>
+            </a:r>
           </a:p>
           <a:p>
             <a:pPr lvl="1">
@@ -8323,9 +8447,10 @@
               <a:buChar char="o"/>
             </a:pPr>
             <a:r>
-              <a:rPr lang="en-US" sz="2000" dirty="0"/>
-              <a:t>env</a:t>
-            </a:r>
+              <a:rPr lang="en-US" dirty="0" err="1"/>
+              <a:t>Axios</a:t>
+            </a:r>
+            <a:endParaRPr lang="en-US" dirty="0"/>
           </a:p>
           <a:p>
             <a:pPr lvl="1">
@@ -8333,9 +8458,10 @@
               <a:buChar char="o"/>
             </a:pPr>
             <a:r>
-              <a:rPr lang="en-US" sz="2000" dirty="0"/>
-              <a:t>Heroku</a:t>
-            </a:r>
+              <a:rPr lang="en-US" dirty="0" err="1"/>
+              <a:t>Bcryptjs</a:t>
+            </a:r>
+            <a:endParaRPr lang="en-US" dirty="0"/>
           </a:p>
           <a:p>
             <a:pPr lvl="1">
@@ -8343,8 +8469,8 @@
               <a:buChar char="o"/>
             </a:pPr>
             <a:r>
-              <a:rPr lang="en-US" sz="2000" dirty="0"/>
-              <a:t>HTML/CSS/ Bootstrap</a:t>
+              <a:rPr lang="en-US" b="1" i="1" dirty="0"/>
+              <a:t>Chartist – Simple responsive charts </a:t>
             </a:r>
           </a:p>
           <a:p>
@@ -8353,8 +8479,8 @@
               <a:buChar char="o"/>
             </a:pPr>
             <a:r>
-              <a:rPr lang="en-US" sz="2000" dirty="0"/>
-              <a:t>Google Fonts</a:t>
+              <a:rPr lang="en-US" dirty="0"/>
+              <a:t>Express/express-session</a:t>
             </a:r>
           </a:p>
           <a:p>
@@ -8363,8 +8489,8 @@
               <a:buChar char="o"/>
             </a:pPr>
             <a:r>
-              <a:rPr lang="en-US" sz="2000" dirty="0"/>
-              <a:t>JavaScript</a:t>
+              <a:rPr lang="en-US" dirty="0"/>
+              <a:t>If-env</a:t>
             </a:r>
           </a:p>
           <a:p>
@@ -8373,9 +8499,98 @@
               <a:buChar char="o"/>
             </a:pPr>
             <a:r>
+              <a:rPr lang="en-US" dirty="0" err="1"/>
+              <a:t>Mongodb</a:t>
+            </a:r>
+            <a:r>
               <a:rPr lang="en-US" dirty="0"/>
-              <a:t>Passport</a:t>
-            </a:r>
+              <a:t>/mongoose </a:t>
+            </a:r>
+          </a:p>
+          <a:p>
+            <a:pPr lvl="1">
+              <a:buFont typeface="Courier New" panose="02070309020205020404" pitchFamily="49" charset="0"/>
+              <a:buChar char="o"/>
+            </a:pPr>
+            <a:r>
+              <a:rPr lang="en-US" b="1" i="1" dirty="0" err="1"/>
+              <a:t>Mockaroo</a:t>
+            </a:r>
+            <a:r>
+              <a:rPr lang="en-US" b="1" i="1" dirty="0"/>
+              <a:t>  - Random date generator (database data)</a:t>
+            </a:r>
+          </a:p>
+          <a:p>
+            <a:pPr lvl="1">
+              <a:buFont typeface="Courier New" panose="02070309020205020404" pitchFamily="49" charset="0"/>
+              <a:buChar char="o"/>
+            </a:pPr>
+            <a:r>
+              <a:rPr lang="en-US" b="1" i="1" dirty="0"/>
+              <a:t> </a:t>
+            </a:r>
+            <a:r>
+              <a:rPr lang="en-US" b="1" i="1" dirty="0" err="1"/>
+              <a:t>Nucleo</a:t>
+            </a:r>
+            <a:r>
+              <a:rPr lang="en-US" b="1" i="1" dirty="0"/>
+              <a:t> – library of over 30, 000 icons</a:t>
+            </a:r>
+          </a:p>
+          <a:p>
+            <a:pPr lvl="1">
+              <a:buFont typeface="Courier New" panose="02070309020205020404" pitchFamily="49" charset="0"/>
+              <a:buChar char="o"/>
+            </a:pPr>
+            <a:r>
+              <a:rPr lang="en-US" sz="2000" dirty="0"/>
+              <a:t>React</a:t>
+            </a:r>
+          </a:p>
+          <a:p>
+            <a:pPr lvl="1">
+              <a:buFont typeface="Courier New" panose="02070309020205020404" pitchFamily="49" charset="0"/>
+              <a:buChar char="o"/>
+            </a:pPr>
+            <a:r>
+              <a:rPr lang="en-US" sz="2000" dirty="0"/>
+              <a:t>HTML/CSS/ Bootstrap</a:t>
+            </a:r>
+          </a:p>
+          <a:p>
+            <a:pPr lvl="1">
+              <a:buFont typeface="Courier New" panose="02070309020205020404" pitchFamily="49" charset="0"/>
+              <a:buChar char="o"/>
+            </a:pPr>
+            <a:r>
+              <a:rPr lang="en-US" sz="2000" dirty="0"/>
+              <a:t>JavaScript</a:t>
+            </a:r>
+          </a:p>
+          <a:p>
+            <a:pPr lvl="1">
+              <a:buFont typeface="Courier New" panose="02070309020205020404" pitchFamily="49" charset="0"/>
+              <a:buChar char="o"/>
+            </a:pPr>
+            <a:r>
+              <a:rPr lang="en-US" dirty="0"/>
+              <a:t>Heroku</a:t>
+            </a:r>
+          </a:p>
+          <a:p>
+            <a:pPr lvl="1">
+              <a:buFont typeface="Courier New" panose="02070309020205020404" pitchFamily="49" charset="0"/>
+              <a:buChar char="o"/>
+            </a:pPr>
+            <a:endParaRPr lang="en-US" sz="2000" dirty="0"/>
+          </a:p>
+          <a:p>
+            <a:pPr lvl="1">
+              <a:buFont typeface="Courier New" panose="02070309020205020404" pitchFamily="49" charset="0"/>
+              <a:buChar char="o"/>
+            </a:pPr>
             <a:endParaRPr lang="en-US" sz="2000" dirty="0"/>
           </a:p>
           <a:p>
@@ -8741,7 +8956,14 @@
             <a:pPr lvl="1"/>
             <a:r>
               <a:rPr lang="en-US" dirty="0"/>
-              <a:t>Front-end/ Backend:  G Dog and the Coding Ninjas</a:t>
+              <a:t>Front-end: Denise, Jerron, Sean, Dexter, Greg </a:t>
+            </a:r>
+          </a:p>
+          <a:p>
+            <a:pPr lvl="1"/>
+            <a:r>
+              <a:rPr lang="en-US" dirty="0"/>
+              <a:t>Backend: Donna, Greg, Rich </a:t>
             </a:r>
           </a:p>
           <a:p>
@@ -8843,8 +9065,8 @@
         </p:nvSpPr>
         <p:spPr>
           <a:xfrm>
-            <a:off x="1143000" y="2057400"/>
-            <a:ext cx="9829800" cy="3962400"/>
+            <a:off x="900023" y="1925623"/>
+            <a:ext cx="11015751" cy="4846652"/>
           </a:xfrm>
         </p:spPr>
         <p:txBody>
@@ -8864,9 +9086,10 @@
               <a:buChar char="o"/>
             </a:pPr>
             <a:r>
-              <a:rPr lang="en-US" sz="2000" dirty="0"/>
-              <a:t>Determining how to generate the mock data</a:t>
-            </a:r>
+              <a:rPr lang="en-US" dirty="0"/>
+              <a:t>Authentication for login page</a:t>
+            </a:r>
+            <a:endParaRPr lang="en-US" sz="2000" dirty="0"/>
           </a:p>
           <a:p>
             <a:pPr lvl="1">
@@ -8874,8 +9097,8 @@
               <a:buChar char="o"/>
             </a:pPr>
             <a:r>
-              <a:rPr lang="en-US" sz="2000" dirty="0"/>
-              <a:t>Getting the data from the database</a:t>
+              <a:rPr lang="en-US" dirty="0"/>
+              <a:t>Seed data is needed for an array of objects to make sure React has something to render when it loads</a:t>
             </a:r>
           </a:p>
           <a:p>
@@ -8884,19 +9107,17 @@
               <a:buChar char="o"/>
             </a:pPr>
             <a:r>
-              <a:rPr lang="en-US" sz="2000" dirty="0"/>
-              <a:t>Error handling</a:t>
-            </a:r>
+              <a:rPr lang="en-US" dirty="0"/>
+              <a:t>Parameter management in React</a:t>
+            </a:r>
+            <a:endParaRPr lang="en-US" sz="2000" dirty="0"/>
           </a:p>
           <a:p>
             <a:pPr lvl="1">
               <a:buFont typeface="Courier New" panose="02070309020205020404" pitchFamily="49" charset="0"/>
               <a:buChar char="o"/>
             </a:pPr>
-            <a:r>
-              <a:rPr lang="en-US" sz="2000" dirty="0"/>
-              <a:t>Finalizing website features</a:t>
-            </a:r>
+            <a:endParaRPr lang="en-US" sz="2000" dirty="0"/>
           </a:p>
           <a:p>
             <a:r>
@@ -8911,7 +9132,15 @@
             </a:pPr>
             <a:r>
               <a:rPr lang="en-US" sz="2000" dirty="0"/>
-              <a:t>Great teamwork.  Everyone contributed well.  Great communication.</a:t>
+              <a:t>Great teamwork</a:t>
+            </a:r>
+            <a:r>
+              <a:rPr lang="en-US" dirty="0"/>
+              <a:t> e</a:t>
+            </a:r>
+            <a:r>
+              <a:rPr lang="en-US" sz="2000" dirty="0"/>
+              <a:t>veryone contributed well </a:t>
             </a:r>
           </a:p>
           <a:p>
@@ -8920,6 +9149,20 @@
               <a:buChar char="o"/>
             </a:pPr>
             <a:r>
+              <a:rPr lang="en-US" dirty="0"/>
+              <a:t>G</a:t>
+            </a:r>
+            <a:r>
+              <a:rPr lang="en-US" sz="2000" dirty="0"/>
+              <a:t>reat communication</a:t>
+            </a:r>
+          </a:p>
+          <a:p>
+            <a:pPr lvl="1">
+              <a:buFont typeface="Courier New" panose="02070309020205020404" pitchFamily="49" charset="0"/>
+              <a:buChar char="o"/>
+            </a:pPr>
+            <a:r>
               <a:rPr lang="en-US" sz="2000" dirty="0"/>
               <a:t>Productive project meetings</a:t>
             </a:r>
@@ -8931,7 +9174,7 @@
             </a:pPr>
             <a:r>
               <a:rPr lang="en-US" dirty="0"/>
-              <a:t>Scrum meeting earlier in the day, followed by a working meeting in the afternoon</a:t>
+              <a:t>Scrum meeting earlier in the day, followed by a working meeting in the evening </a:t>
             </a:r>
           </a:p>
           <a:p>
@@ -8941,8 +9184,33 @@
             </a:pPr>
             <a:r>
               <a:rPr lang="en-US" dirty="0"/>
-              <a:t>Conducted weekend meetings to finalize project</a:t>
-            </a:r>
+              <a:t>Conducted weekend working meetings</a:t>
+            </a:r>
+          </a:p>
+          <a:p>
+            <a:pPr lvl="1">
+              <a:buFont typeface="Courier New" panose="02070309020205020404" pitchFamily="49" charset="0"/>
+              <a:buChar char="o"/>
+            </a:pPr>
+            <a:r>
+              <a:rPr lang="en-US" dirty="0"/>
+              <a:t>Making a component (not just at the top App layer) a class and leveraging state, component Did Mount within it</a:t>
+            </a:r>
+            <a:endParaRPr lang="en-US" sz="2200" dirty="0"/>
+          </a:p>
+          <a:p>
+            <a:pPr>
+              <a:buFont typeface="Arial" panose="020B0604020202020204" pitchFamily="34" charset="0"/>
+              <a:buChar char="•"/>
+            </a:pPr>
+            <a:endParaRPr lang="en-US" dirty="0"/>
+          </a:p>
+          <a:p>
+            <a:pPr lvl="2">
+              <a:buFont typeface="Wingdings" panose="05000000000000000000" pitchFamily="2" charset="2"/>
+              <a:buChar char="Ø"/>
+            </a:pPr>
+            <a:endParaRPr lang="en-US" dirty="0"/>
           </a:p>
           <a:p>
             <a:pPr lvl="1"/>
@@ -9024,6 +9292,49 @@
             <a:normAutofit/>
           </a:bodyPr>
           <a:lstStyle/>
+          <a:p>
+            <a:pPr lvl="1"/>
+            <a:r>
+              <a:rPr lang="en-US" dirty="0"/>
+              <a:t>Filter changes by user or assignment groups</a:t>
+            </a:r>
+          </a:p>
+          <a:p>
+            <a:pPr lvl="1"/>
+            <a:r>
+              <a:rPr lang="en-US" dirty="0"/>
+              <a:t>The ability to choose different date ranges</a:t>
+            </a:r>
+          </a:p>
+          <a:p>
+            <a:pPr lvl="1"/>
+            <a:r>
+              <a:rPr lang="en-US" dirty="0"/>
+              <a:t>Search box for searching CI’s  for upcoming changes</a:t>
+            </a:r>
+          </a:p>
+          <a:p>
+            <a:pPr lvl="1"/>
+            <a:r>
+              <a:rPr lang="en-US" dirty="0"/>
+              <a:t>Integrate past incidents due to a change on a server</a:t>
+            </a:r>
+          </a:p>
+          <a:p>
+            <a:pPr lvl="1"/>
+            <a:r>
+              <a:rPr lang="en-US" dirty="0"/>
+              <a:t>Enhanced permissions for change manager</a:t>
+            </a:r>
+          </a:p>
+          <a:p>
+            <a:pPr lvl="1"/>
+            <a:endParaRPr lang="en-US" dirty="0"/>
+          </a:p>
+          <a:p>
+            <a:pPr lvl="1"/>
+            <a:endParaRPr lang="en-US" dirty="0"/>
+          </a:p>
           <a:p>
             <a:pPr lvl="1"/>
             <a:endParaRPr lang="en-US" dirty="0"/>

--- a/Presentation/Draft Change Forecast Presentation.pptx
+++ b/Presentation/Draft Change Forecast Presentation.pptx
@@ -16,7 +16,7 @@
     <p:sldId id="273" r:id="rId10"/>
     <p:sldId id="275" r:id="rId11"/>
     <p:sldId id="274" r:id="rId12"/>
-    <p:sldId id="276" r:id="rId13"/>
+    <p:sldId id="278" r:id="rId13"/>
   </p:sldIdLst>
   <p:sldSz cx="12192000" cy="6858000"/>
   <p:notesSz cx="6858000" cy="9144000"/>
@@ -1347,7 +1347,7 @@
             </a:lnSpc>
           </a:pPr>
           <a:r>
-            <a:rPr lang="en-US"/>
+            <a:rPr lang="en-US" dirty="0"/>
             <a:t>Questions</a:t>
           </a:r>
         </a:p>
@@ -2870,7 +2870,7 @@
             <a:buNone/>
           </a:pPr>
           <a:r>
-            <a:rPr lang="en-US" sz="1500" kern="1200"/>
+            <a:rPr lang="en-US" sz="1500" kern="1200" dirty="0"/>
             <a:t>Questions</a:t>
           </a:r>
         </a:p>
@@ -4306,7 +4306,7 @@
           <a:p>
             <a:fld id="{D0059409-0213-49F5-9FB1-5FD0277D82C4}" type="datetimeFigureOut">
               <a:rPr lang="en-US" smtClean="0"/>
-              <a:t>3/15/2021</a:t>
+              <a:t>3/16/2021</a:t>
             </a:fld>
             <a:endParaRPr lang="en-US"/>
           </a:p>
@@ -4476,7 +4476,7 @@
           <a:p>
             <a:fld id="{D0059409-0213-49F5-9FB1-5FD0277D82C4}" type="datetimeFigureOut">
               <a:rPr lang="en-US" smtClean="0"/>
-              <a:t>3/15/2021</a:t>
+              <a:t>3/16/2021</a:t>
             </a:fld>
             <a:endParaRPr lang="en-US"/>
           </a:p>
@@ -4699,7 +4699,7 @@
           <a:p>
             <a:fld id="{D0059409-0213-49F5-9FB1-5FD0277D82C4}" type="datetimeFigureOut">
               <a:rPr lang="en-US" smtClean="0"/>
-              <a:t>3/15/2021</a:t>
+              <a:t>3/16/2021</a:t>
             </a:fld>
             <a:endParaRPr lang="en-US"/>
           </a:p>
@@ -4879,7 +4879,7 @@
           <a:p>
             <a:fld id="{D0059409-0213-49F5-9FB1-5FD0277D82C4}" type="datetimeFigureOut">
               <a:rPr lang="en-US" smtClean="0"/>
-              <a:t>3/15/2021</a:t>
+              <a:t>3/16/2021</a:t>
             </a:fld>
             <a:endParaRPr lang="en-US"/>
           </a:p>
@@ -5185,7 +5185,7 @@
           <a:p>
             <a:fld id="{D0059409-0213-49F5-9FB1-5FD0277D82C4}" type="datetimeFigureOut">
               <a:rPr lang="en-US" smtClean="0"/>
-              <a:t>3/15/2021</a:t>
+              <a:t>3/16/2021</a:t>
             </a:fld>
             <a:endParaRPr lang="en-US"/>
           </a:p>
@@ -5489,7 +5489,7 @@
           <a:p>
             <a:fld id="{D0059409-0213-49F5-9FB1-5FD0277D82C4}" type="datetimeFigureOut">
               <a:rPr lang="en-US" smtClean="0"/>
-              <a:t>3/15/2021</a:t>
+              <a:t>3/16/2021</a:t>
             </a:fld>
             <a:endParaRPr lang="en-US"/>
           </a:p>
@@ -5911,7 +5911,7 @@
           <a:p>
             <a:fld id="{D0059409-0213-49F5-9FB1-5FD0277D82C4}" type="datetimeFigureOut">
               <a:rPr lang="en-US" smtClean="0"/>
-              <a:t>3/15/2021</a:t>
+              <a:t>3/16/2021</a:t>
             </a:fld>
             <a:endParaRPr lang="en-US"/>
           </a:p>
@@ -6029,7 +6029,7 @@
           <a:p>
             <a:fld id="{D0059409-0213-49F5-9FB1-5FD0277D82C4}" type="datetimeFigureOut">
               <a:rPr lang="en-US" smtClean="0"/>
-              <a:t>3/15/2021</a:t>
+              <a:t>3/16/2021</a:t>
             </a:fld>
             <a:endParaRPr lang="en-US"/>
           </a:p>
@@ -6124,7 +6124,7 @@
           <a:p>
             <a:fld id="{D0059409-0213-49F5-9FB1-5FD0277D82C4}" type="datetimeFigureOut">
               <a:rPr lang="en-US" smtClean="0"/>
-              <a:t>3/15/2021</a:t>
+              <a:t>3/16/2021</a:t>
             </a:fld>
             <a:endParaRPr lang="en-US"/>
           </a:p>
@@ -6397,7 +6397,7 @@
           <a:p>
             <a:fld id="{D0059409-0213-49F5-9FB1-5FD0277D82C4}" type="datetimeFigureOut">
               <a:rPr lang="en-US" smtClean="0"/>
-              <a:t>3/15/2021</a:t>
+              <a:t>3/16/2021</a:t>
             </a:fld>
             <a:endParaRPr lang="en-US"/>
           </a:p>
@@ -6662,7 +6662,7 @@
           <a:p>
             <a:fld id="{D0059409-0213-49F5-9FB1-5FD0277D82C4}" type="datetimeFigureOut">
               <a:rPr lang="en-US" smtClean="0"/>
-              <a:t>3/15/2021</a:t>
+              <a:t>3/16/2021</a:t>
             </a:fld>
             <a:endParaRPr lang="en-US"/>
           </a:p>
@@ -6911,7 +6911,7 @@
           <a:p>
             <a:fld id="{D0059409-0213-49F5-9FB1-5FD0277D82C4}" type="datetimeFigureOut">
               <a:rPr lang="en-US" smtClean="0"/>
-              <a:t>3/15/2021</a:t>
+              <a:t>3/16/2021</a:t>
             </a:fld>
             <a:endParaRPr lang="en-US"/>
           </a:p>
@@ -7776,9 +7776,12 @@
           <a:p>
             <a:pPr lvl="1"/>
             <a:r>
-              <a:rPr lang="en-US" dirty="0"/>
-              <a:t>LINK GOES HERE</a:t>
-            </a:r>
+              <a:rPr lang="en-US" u="sng" dirty="0">
+                <a:hlinkClick r:id="rId2"/>
+              </a:rPr>
+              <a:t>https://obscure-coast-18273.herokuapp.com/</a:t>
+            </a:r>
+            <a:endParaRPr lang="en-US" dirty="0"/>
           </a:p>
           <a:p>
             <a:r>
@@ -7790,7 +7793,7 @@
             <a:pPr lvl="1"/>
             <a:r>
               <a:rPr lang="en-US" dirty="0">
-                <a:hlinkClick r:id="rId2"/>
+                <a:hlinkClick r:id="rId3"/>
               </a:rPr>
               <a:t>https://github.com/gehanstedt/change-forecast</a:t>
             </a:r>
@@ -7888,6 +7891,14 @@
 <file path=ppt/slides/slide12.xml><?xml version="1.0" encoding="utf-8"?>
 <p:sld xmlns:a="http://schemas.openxmlformats.org/drawingml/2006/main" xmlns:r="http://schemas.openxmlformats.org/officeDocument/2006/relationships" xmlns:p="http://schemas.openxmlformats.org/presentationml/2006/main">
   <p:cSld>
+    <p:bg>
+      <p:bgPr>
+        <a:solidFill>
+          <a:schemeClr val="tx1"/>
+        </a:solidFill>
+        <a:effectLst/>
+      </p:bgPr>
+    </p:bg>
     <p:spTree>
       <p:nvGrpSpPr>
         <p:cNvPr id="1" name=""/>
@@ -7902,40 +7913,97 @@
           <a:chExt cx="0" cy="0"/>
         </a:xfrm>
       </p:grpSpPr>
+      <p:pic>
+        <p:nvPicPr>
+          <p:cNvPr id="2" name="Picture 1">
+            <a:extLst>
+              <a:ext uri="{FF2B5EF4-FFF2-40B4-BE49-F238E27FC236}">
+                <a16:creationId xmlns:a16="http://schemas.microsoft.com/office/drawing/2014/main" id="{9F22402F-0151-4C3E-8659-9B8A42B27572}"/>
+              </a:ext>
+            </a:extLst>
+          </p:cNvPr>
+          <p:cNvPicPr>
+            <a:picLocks noChangeAspect="1"/>
+          </p:cNvPicPr>
+          <p:nvPr/>
+        </p:nvPicPr>
+        <p:blipFill>
+          <a:blip r:embed="rId2"/>
+          <a:stretch>
+            <a:fillRect/>
+          </a:stretch>
+        </p:blipFill>
+        <p:spPr>
+          <a:xfrm>
+            <a:off x="9182502" y="666164"/>
+            <a:ext cx="2184935" cy="5767007"/>
+          </a:xfrm>
+          <a:prstGeom prst="rect">
+            <a:avLst/>
+          </a:prstGeom>
+        </p:spPr>
+      </p:pic>
       <p:sp>
         <p:nvSpPr>
-          <p:cNvPr id="2" name="Title 1"/>
-          <p:cNvSpPr>
-            <a:spLocks noGrp="1"/>
-          </p:cNvSpPr>
-          <p:nvPr>
-            <p:ph type="title"/>
-          </p:nvPr>
+          <p:cNvPr id="4" name="TextBox 3">
+            <a:extLst>
+              <a:ext uri="{FF2B5EF4-FFF2-40B4-BE49-F238E27FC236}">
+                <a16:creationId xmlns:a16="http://schemas.microsoft.com/office/drawing/2014/main" id="{A9D76D5F-5610-4A7F-AA7F-A1CB7F3E96DC}"/>
+              </a:ext>
+            </a:extLst>
+          </p:cNvPr>
+          <p:cNvSpPr txBox="1"/>
+          <p:nvPr/>
         </p:nvSpPr>
         <p:spPr>
           <a:xfrm>
-            <a:off x="85724" y="2219325"/>
-            <a:ext cx="12106275" cy="1181100"/>
+            <a:off x="508334" y="2304464"/>
+            <a:ext cx="8205537" cy="2862322"/>
           </a:xfrm>
+          <a:prstGeom prst="rect">
+            <a:avLst/>
+          </a:prstGeom>
+          <a:solidFill>
+            <a:schemeClr val="bg2"/>
+          </a:solidFill>
+          <a:ln>
+            <a:solidFill>
+              <a:schemeClr val="tx1"/>
+            </a:solidFill>
+          </a:ln>
         </p:spPr>
         <p:txBody>
-          <a:bodyPr vert="horz" lIns="91440" tIns="45720" rIns="91440" bIns="45720" rtlCol="0" anchor="b">
-            <a:normAutofit/>
+          <a:bodyPr wrap="square" rtlCol="0">
+            <a:spAutoFit/>
           </a:bodyPr>
           <a:lstStyle/>
           <a:p>
-            <a:pPr defTabSz="457200"/>
-            <a:r>
-              <a:rPr lang="en-US" sz="5400" dirty="0"/>
-              <a:t>Thank you!</a:t>
-            </a:r>
+            <a:pPr algn="ctr"/>
+            <a:endParaRPr lang="en-US" sz="6000" b="1" dirty="0"/>
+          </a:p>
+          <a:p>
+            <a:pPr algn="ctr"/>
+            <a:r>
+              <a:rPr lang="en-US" sz="6000" b="1" dirty="0">
+                <a:latin typeface="+mj-lt"/>
+              </a:rPr>
+              <a:t>Thank</a:t>
+            </a:r>
+            <a:r>
+              <a:rPr lang="en-US" sz="6000" b="1" dirty="0"/>
+              <a:t> You!</a:t>
+            </a:r>
+          </a:p>
+          <a:p>
+            <a:pPr algn="ctr"/>
+            <a:endParaRPr lang="en-US" sz="6000" b="1" dirty="0"/>
           </a:p>
         </p:txBody>
       </p:sp>
     </p:spTree>
     <p:extLst>
       <p:ext uri="{BB962C8B-B14F-4D97-AF65-F5344CB8AC3E}">
-        <p14:creationId xmlns:p14="http://schemas.microsoft.com/office/powerpoint/2010/main" val="3905042885"/>
+        <p14:creationId xmlns:p14="http://schemas.microsoft.com/office/powerpoint/2010/main" val="971838317"/>
       </p:ext>
     </p:extLst>
   </p:cSld>
@@ -8021,13 +8089,13 @@
             <p:ph idx="1"/>
             <p:extLst>
               <p:ext uri="{D42A27DB-BD31-4B8C-83A1-F6EECF244321}">
-                <p14:modId xmlns:p14="http://schemas.microsoft.com/office/powerpoint/2010/main" val="2227164322"/>
+                <p14:modId xmlns:p14="http://schemas.microsoft.com/office/powerpoint/2010/main" val="504309313"/>
               </p:ext>
             </p:extLst>
           </p:nvPr>
         </p:nvGraphicFramePr>
         <p:xfrm>
-          <a:off x="317803" y="1956566"/>
+          <a:off x="1202919" y="1946940"/>
           <a:ext cx="3724808" cy="4312118"/>
         </p:xfrm>
         <a:graphic>
@@ -8036,6 +8104,35 @@
           </a:graphicData>
         </a:graphic>
       </p:graphicFrame>
+      <p:pic>
+        <p:nvPicPr>
+          <p:cNvPr id="6" name="Picture 5">
+            <a:extLst>
+              <a:ext uri="{FF2B5EF4-FFF2-40B4-BE49-F238E27FC236}">
+                <a16:creationId xmlns:a16="http://schemas.microsoft.com/office/drawing/2014/main" id="{484FA9A7-AEA6-45CE-9282-7125D069AD13}"/>
+              </a:ext>
+            </a:extLst>
+          </p:cNvPr>
+          <p:cNvPicPr>
+            <a:picLocks noChangeAspect="1"/>
+          </p:cNvPicPr>
+          <p:nvPr/>
+        </p:nvPicPr>
+        <p:blipFill rotWithShape="1">
+          <a:blip r:embed="rId7"/>
+          <a:srcRect t="7365"/>
+          <a:stretch/>
+        </p:blipFill>
+        <p:spPr>
+          <a:xfrm>
+            <a:off x="6094959" y="1872576"/>
+            <a:ext cx="5132038" cy="4897004"/>
+          </a:xfrm>
+          <a:prstGeom prst="rect">
+            <a:avLst/>
+          </a:prstGeom>
+        </p:spPr>
+      </p:pic>
     </p:spTree>
     <p:extLst>
       <p:ext uri="{BB962C8B-B14F-4D97-AF65-F5344CB8AC3E}">
@@ -8106,51 +8203,70 @@
         </p:nvSpPr>
         <p:spPr>
           <a:xfrm>
-            <a:off x="1296652" y="2438400"/>
+            <a:off x="1133022" y="2034139"/>
             <a:ext cx="9598696" cy="3318936"/>
           </a:xfrm>
         </p:spPr>
         <p:txBody>
           <a:bodyPr>
-            <a:normAutofit fontScale="70000" lnSpcReduction="20000"/>
+            <a:noAutofit/>
           </a:bodyPr>
           <a:lstStyle/>
           <a:p>
-            <a:r>
-              <a:rPr lang="en-US" dirty="0"/>
+            <a:pPr>
+              <a:buFont typeface="Arial" panose="020B0604020202020204" pitchFamily="34" charset="0"/>
+              <a:buChar char="•"/>
+            </a:pPr>
+            <a:r>
+              <a:rPr lang="en-US" sz="2000" dirty="0"/>
               <a:t>You are responsible for infrastructure stability and you need a quick way to view   upcoming major change activity</a:t>
             </a:r>
           </a:p>
           <a:p>
-            <a:r>
-              <a:rPr lang="en-US" dirty="0"/>
+            <a:pPr>
+              <a:buFont typeface="Arial" panose="020B0604020202020204" pitchFamily="34" charset="0"/>
+              <a:buChar char="•"/>
+            </a:pPr>
+            <a:r>
+              <a:rPr lang="en-US" sz="2000" dirty="0"/>
               <a:t>The answer is Change Forecast</a:t>
             </a:r>
           </a:p>
           <a:p>
-            <a:pPr lvl="1"/>
+            <a:pPr lvl="1">
+              <a:buFont typeface="Arial" panose="020B0604020202020204" pitchFamily="34" charset="0"/>
+              <a:buChar char="•"/>
+            </a:pPr>
             <a:r>
               <a:rPr lang="en-US" dirty="0"/>
               <a:t>Provides a consolidated view of change data and graphical views</a:t>
             </a:r>
           </a:p>
           <a:p>
-            <a:r>
-              <a:rPr lang="en-US" dirty="0"/>
-              <a:t>Provides seven day forecast using weather </a:t>
-            </a:r>
-          </a:p>
-          <a:p>
-            <a:r>
-              <a:rPr lang="en-US" dirty="0"/>
-              <a:t>Provides data based on current day, week,  and one month</a:t>
-            </a:r>
-          </a:p>
-          <a:p>
-            <a:endParaRPr lang="en-US" dirty="0"/>
-          </a:p>
-          <a:p>
-            <a:endParaRPr lang="en-US" dirty="0"/>
+            <a:pPr>
+              <a:buFont typeface="Arial" panose="020B0604020202020204" pitchFamily="34" charset="0"/>
+              <a:buChar char="•"/>
+            </a:pPr>
+            <a:r>
+              <a:rPr lang="en-US" sz="2000" dirty="0"/>
+              <a:t>Provides seven-day forecast using weather </a:t>
+            </a:r>
+          </a:p>
+          <a:p>
+            <a:pPr>
+              <a:buFont typeface="Arial" panose="020B0604020202020204" pitchFamily="34" charset="0"/>
+              <a:buChar char="•"/>
+            </a:pPr>
+            <a:r>
+              <a:rPr lang="en-US" sz="2000" dirty="0"/>
+              <a:t>Provides data based on current day, week, and 30 days</a:t>
+            </a:r>
+          </a:p>
+          <a:p>
+            <a:endParaRPr lang="en-US" sz="2000" dirty="0"/>
+          </a:p>
+          <a:p>
+            <a:endParaRPr lang="en-US" sz="2000" dirty="0"/>
           </a:p>
           <a:p>
             <a:pPr lvl="1"/>
@@ -8291,7 +8407,7 @@
             <a:pPr lvl="1"/>
             <a:r>
               <a:rPr lang="en-US" sz="1800" dirty="0"/>
-              <a:t>A user enters change requests into the database and is provided with the option of viewing the change forecast,  dashboard view of changes, or raw change data report.</a:t>
+              <a:t>From an existing database within the company environment, change requests have been entered through a series of internal processes. The user has the ability to access  that data in a graphical view. The user is provided with the option of viewing the change forecast,  dashboard view of changes, or raw change data report.</a:t>
             </a:r>
           </a:p>
           <a:p>
@@ -8433,8 +8549,8 @@
           </a:p>
           <a:p>
             <a:pPr lvl="1">
-              <a:buFont typeface="Courier New" panose="02070309020205020404" pitchFamily="49" charset="0"/>
-              <a:buChar char="o"/>
+              <a:buFont typeface="Arial" panose="020B0604020202020204" pitchFamily="34" charset="0"/>
+              <a:buChar char="•"/>
             </a:pPr>
             <a:r>
               <a:rPr lang="en-US" dirty="0"/>
@@ -8443,8 +8559,8 @@
           </a:p>
           <a:p>
             <a:pPr lvl="1">
-              <a:buFont typeface="Courier New" panose="02070309020205020404" pitchFamily="49" charset="0"/>
-              <a:buChar char="o"/>
+              <a:buFont typeface="Arial" panose="020B0604020202020204" pitchFamily="34" charset="0"/>
+              <a:buChar char="•"/>
             </a:pPr>
             <a:r>
               <a:rPr lang="en-US" dirty="0" err="1"/>
@@ -8454,8 +8570,8 @@
           </a:p>
           <a:p>
             <a:pPr lvl="1">
-              <a:buFont typeface="Courier New" panose="02070309020205020404" pitchFamily="49" charset="0"/>
-              <a:buChar char="o"/>
+              <a:buFont typeface="Arial" panose="020B0604020202020204" pitchFamily="34" charset="0"/>
+              <a:buChar char="•"/>
             </a:pPr>
             <a:r>
               <a:rPr lang="en-US" dirty="0" err="1"/>
@@ -8465,8 +8581,8 @@
           </a:p>
           <a:p>
             <a:pPr lvl="1">
-              <a:buFont typeface="Courier New" panose="02070309020205020404" pitchFamily="49" charset="0"/>
-              <a:buChar char="o"/>
+              <a:buFont typeface="Arial" panose="020B0604020202020204" pitchFamily="34" charset="0"/>
+              <a:buChar char="•"/>
             </a:pPr>
             <a:r>
               <a:rPr lang="en-US" b="1" i="1" dirty="0"/>
@@ -8475,8 +8591,8 @@
           </a:p>
           <a:p>
             <a:pPr lvl="1">
-              <a:buFont typeface="Courier New" panose="02070309020205020404" pitchFamily="49" charset="0"/>
-              <a:buChar char="o"/>
+              <a:buFont typeface="Arial" panose="020B0604020202020204" pitchFamily="34" charset="0"/>
+              <a:buChar char="•"/>
             </a:pPr>
             <a:r>
               <a:rPr lang="en-US" dirty="0"/>
@@ -8485,8 +8601,8 @@
           </a:p>
           <a:p>
             <a:pPr lvl="1">
-              <a:buFont typeface="Courier New" panose="02070309020205020404" pitchFamily="49" charset="0"/>
-              <a:buChar char="o"/>
+              <a:buFont typeface="Arial" panose="020B0604020202020204" pitchFamily="34" charset="0"/>
+              <a:buChar char="•"/>
             </a:pPr>
             <a:r>
               <a:rPr lang="en-US" dirty="0"/>
@@ -8495,8 +8611,8 @@
           </a:p>
           <a:p>
             <a:pPr lvl="1">
-              <a:buFont typeface="Courier New" panose="02070309020205020404" pitchFamily="49" charset="0"/>
-              <a:buChar char="o"/>
+              <a:buFont typeface="Arial" panose="020B0604020202020204" pitchFamily="34" charset="0"/>
+              <a:buChar char="•"/>
             </a:pPr>
             <a:r>
               <a:rPr lang="en-US" dirty="0" err="1"/>
@@ -8509,8 +8625,8 @@
           </a:p>
           <a:p>
             <a:pPr lvl="1">
-              <a:buFont typeface="Courier New" panose="02070309020205020404" pitchFamily="49" charset="0"/>
-              <a:buChar char="o"/>
+              <a:buFont typeface="Arial" panose="020B0604020202020204" pitchFamily="34" charset="0"/>
+              <a:buChar char="•"/>
             </a:pPr>
             <a:r>
               <a:rPr lang="en-US" b="1" i="1" dirty="0" err="1"/>
@@ -8523,8 +8639,8 @@
           </a:p>
           <a:p>
             <a:pPr lvl="1">
-              <a:buFont typeface="Courier New" panose="02070309020205020404" pitchFamily="49" charset="0"/>
-              <a:buChar char="o"/>
+              <a:buFont typeface="Arial" panose="020B0604020202020204" pitchFamily="34" charset="0"/>
+              <a:buChar char="•"/>
             </a:pPr>
             <a:r>
               <a:rPr lang="en-US" b="1" i="1" dirty="0"/>
@@ -8541,8 +8657,8 @@
           </a:p>
           <a:p>
             <a:pPr lvl="1">
-              <a:buFont typeface="Courier New" panose="02070309020205020404" pitchFamily="49" charset="0"/>
-              <a:buChar char="o"/>
+              <a:buFont typeface="Arial" panose="020B0604020202020204" pitchFamily="34" charset="0"/>
+              <a:buChar char="•"/>
             </a:pPr>
             <a:r>
               <a:rPr lang="en-US" sz="2000" dirty="0"/>
@@ -8551,8 +8667,8 @@
           </a:p>
           <a:p>
             <a:pPr lvl="1">
-              <a:buFont typeface="Courier New" panose="02070309020205020404" pitchFamily="49" charset="0"/>
-              <a:buChar char="o"/>
+              <a:buFont typeface="Arial" panose="020B0604020202020204" pitchFamily="34" charset="0"/>
+              <a:buChar char="•"/>
             </a:pPr>
             <a:r>
               <a:rPr lang="en-US" sz="2000" dirty="0"/>
@@ -8561,8 +8677,8 @@
           </a:p>
           <a:p>
             <a:pPr lvl="1">
-              <a:buFont typeface="Courier New" panose="02070309020205020404" pitchFamily="49" charset="0"/>
-              <a:buChar char="o"/>
+              <a:buFont typeface="Arial" panose="020B0604020202020204" pitchFamily="34" charset="0"/>
+              <a:buChar char="•"/>
             </a:pPr>
             <a:r>
               <a:rPr lang="en-US" sz="2000" dirty="0"/>
@@ -8571,8 +8687,8 @@
           </a:p>
           <a:p>
             <a:pPr lvl="1">
-              <a:buFont typeface="Courier New" panose="02070309020205020404" pitchFamily="49" charset="0"/>
-              <a:buChar char="o"/>
+              <a:buFont typeface="Arial" panose="020B0604020202020204" pitchFamily="34" charset="0"/>
+              <a:buChar char="•"/>
             </a:pPr>
             <a:r>
               <a:rPr lang="en-US" dirty="0"/>
@@ -8948,7 +9064,7 @@
           <a:lstStyle/>
           <a:p>
             <a:r>
-              <a:rPr lang="en-US" dirty="0"/>
+              <a:rPr lang="en-US" sz="2000" dirty="0"/>
               <a:t>Breakdown of Tasks / Roles</a:t>
             </a:r>
           </a:p>
@@ -8970,7 +9086,7 @@
             <a:pPr lvl="1"/>
             <a:r>
               <a:rPr lang="en-US" dirty="0"/>
-              <a:t>Issue Tracking and Tasks:  Donna</a:t>
+              <a:t>Issue Tracking and Tasks:  Donna, Greg </a:t>
             </a:r>
           </a:p>
           <a:p>
@@ -9075,146 +9191,142 @@
           </a:bodyPr>
           <a:lstStyle/>
           <a:p>
-            <a:r>
-              <a:rPr lang="en-US" sz="2000" dirty="0"/>
-              <a:t>Challenges</a:t>
-            </a:r>
-          </a:p>
-          <a:p>
-            <a:pPr lvl="1">
-              <a:buFont typeface="Courier New" panose="02070309020205020404" pitchFamily="49" charset="0"/>
-              <a:buChar char="o"/>
-            </a:pPr>
-            <a:r>
-              <a:rPr lang="en-US" dirty="0"/>
-              <a:t>Authentication for login page</a:t>
-            </a:r>
-            <a:endParaRPr lang="en-US" sz="2000" dirty="0"/>
-          </a:p>
-          <a:p>
-            <a:pPr lvl="1">
-              <a:buFont typeface="Courier New" panose="02070309020205020404" pitchFamily="49" charset="0"/>
-              <a:buChar char="o"/>
-            </a:pPr>
-            <a:r>
-              <a:rPr lang="en-US" dirty="0"/>
-              <a:t>Seed data is needed for an array of objects to make sure React has something to render when it loads</a:t>
-            </a:r>
-          </a:p>
-          <a:p>
-            <a:pPr lvl="1">
-              <a:buFont typeface="Courier New" panose="02070309020205020404" pitchFamily="49" charset="0"/>
-              <a:buChar char="o"/>
-            </a:pPr>
-            <a:r>
-              <a:rPr lang="en-US" dirty="0"/>
-              <a:t>Parameter management in React</a:t>
-            </a:r>
-            <a:endParaRPr lang="en-US" sz="2000" dirty="0"/>
-          </a:p>
-          <a:p>
-            <a:pPr lvl="1">
-              <a:buFont typeface="Courier New" panose="02070309020205020404" pitchFamily="49" charset="0"/>
-              <a:buChar char="o"/>
-            </a:pPr>
-            <a:endParaRPr lang="en-US" sz="2000" dirty="0"/>
-          </a:p>
-          <a:p>
-            <a:r>
-              <a:rPr lang="en-US" sz="2000" dirty="0"/>
-              <a:t>Successes</a:t>
-            </a:r>
-          </a:p>
-          <a:p>
-            <a:pPr lvl="1">
-              <a:buFont typeface="Courier New" panose="02070309020205020404" pitchFamily="49" charset="0"/>
-              <a:buChar char="o"/>
-            </a:pPr>
-            <a:r>
-              <a:rPr lang="en-US" sz="2000" dirty="0"/>
-              <a:t>Great teamwork</a:t>
-            </a:r>
-            <a:r>
-              <a:rPr lang="en-US" dirty="0"/>
-              <a:t> e</a:t>
-            </a:r>
-            <a:r>
-              <a:rPr lang="en-US" sz="2000" dirty="0"/>
-              <a:t>veryone contributed well </a:t>
-            </a:r>
-          </a:p>
-          <a:p>
-            <a:pPr lvl="1">
-              <a:buFont typeface="Courier New" panose="02070309020205020404" pitchFamily="49" charset="0"/>
-              <a:buChar char="o"/>
-            </a:pPr>
-            <a:r>
-              <a:rPr lang="en-US" dirty="0"/>
-              <a:t>G</a:t>
-            </a:r>
-            <a:r>
-              <a:rPr lang="en-US" sz="2000" dirty="0"/>
-              <a:t>reat communication</a:t>
-            </a:r>
-          </a:p>
-          <a:p>
-            <a:pPr lvl="1">
-              <a:buFont typeface="Courier New" panose="02070309020205020404" pitchFamily="49" charset="0"/>
-              <a:buChar char="o"/>
-            </a:pPr>
-            <a:r>
-              <a:rPr lang="en-US" sz="2000" dirty="0"/>
-              <a:t>Productive project meetings</a:t>
-            </a:r>
-          </a:p>
-          <a:p>
-            <a:pPr lvl="2">
-              <a:buFont typeface="Wingdings" panose="05000000000000000000" pitchFamily="2" charset="2"/>
-              <a:buChar char="Ø"/>
-            </a:pPr>
-            <a:r>
-              <a:rPr lang="en-US" dirty="0"/>
-              <a:t>Scrum meeting earlier in the day, followed by a working meeting in the evening </a:t>
-            </a:r>
-          </a:p>
-          <a:p>
-            <a:pPr lvl="2">
-              <a:buFont typeface="Wingdings" panose="05000000000000000000" pitchFamily="2" charset="2"/>
-              <a:buChar char="Ø"/>
-            </a:pPr>
-            <a:r>
-              <a:rPr lang="en-US" dirty="0"/>
-              <a:t>Conducted weekend working meetings</a:t>
-            </a:r>
-          </a:p>
-          <a:p>
-            <a:pPr lvl="1">
-              <a:buFont typeface="Courier New" panose="02070309020205020404" pitchFamily="49" charset="0"/>
-              <a:buChar char="o"/>
-            </a:pPr>
-            <a:r>
-              <a:rPr lang="en-US" dirty="0"/>
-              <a:t>Making a component (not just at the top App layer) a class and leveraging state, component Did Mount within it</a:t>
-            </a:r>
-            <a:endParaRPr lang="en-US" sz="2200" dirty="0"/>
-          </a:p>
-          <a:p>
             <a:pPr>
               <a:buFont typeface="Arial" panose="020B0604020202020204" pitchFamily="34" charset="0"/>
               <a:buChar char="•"/>
             </a:pPr>
-            <a:endParaRPr lang="en-US" dirty="0"/>
-          </a:p>
-          <a:p>
-            <a:pPr lvl="2">
-              <a:buFont typeface="Wingdings" panose="05000000000000000000" pitchFamily="2" charset="2"/>
-              <a:buChar char="Ø"/>
+            <a:r>
+              <a:rPr lang="en-US" sz="2000" dirty="0"/>
+              <a:t>Challenges</a:t>
+            </a:r>
+          </a:p>
+          <a:p>
+            <a:pPr lvl="1">
+              <a:buFont typeface="Arial" panose="020B0604020202020204" pitchFamily="34" charset="0"/>
+              <a:buChar char="•"/>
+            </a:pPr>
+            <a:r>
+              <a:rPr lang="en-US" dirty="0"/>
+              <a:t>Authentication for login page</a:t>
+            </a:r>
+          </a:p>
+          <a:p>
+            <a:pPr lvl="1">
+              <a:buFont typeface="Arial" panose="020B0604020202020204" pitchFamily="34" charset="0"/>
+              <a:buChar char="•"/>
+            </a:pPr>
+            <a:r>
+              <a:rPr lang="en-US" dirty="0"/>
+              <a:t>Seed data is needed for an array of objects to make sure React has something to render when it loads</a:t>
+            </a:r>
+          </a:p>
+          <a:p>
+            <a:pPr lvl="1">
+              <a:buFont typeface="Arial" panose="020B0604020202020204" pitchFamily="34" charset="0"/>
+              <a:buChar char="•"/>
+            </a:pPr>
+            <a:r>
+              <a:rPr lang="en-US" dirty="0"/>
+              <a:t>Parameter management in React</a:t>
+            </a:r>
+          </a:p>
+          <a:p>
+            <a:pPr lvl="1">
+              <a:buFont typeface="Arial" panose="020B0604020202020204" pitchFamily="34" charset="0"/>
+              <a:buChar char="•"/>
             </a:pPr>
             <a:endParaRPr lang="en-US" dirty="0"/>
           </a:p>
           <a:p>
-            <a:pPr lvl="1"/>
+            <a:pPr>
+              <a:buFont typeface="Arial" panose="020B0604020202020204" pitchFamily="34" charset="0"/>
+              <a:buChar char="•"/>
+            </a:pPr>
+            <a:r>
+              <a:rPr lang="en-US" sz="2000" dirty="0"/>
+              <a:t>Successes</a:t>
+            </a:r>
+          </a:p>
+          <a:p>
+            <a:pPr lvl="1">
+              <a:buFont typeface="Arial" panose="020B0604020202020204" pitchFamily="34" charset="0"/>
+              <a:buChar char="•"/>
+            </a:pPr>
+            <a:r>
+              <a:rPr lang="en-US" dirty="0"/>
+              <a:t>Great teamwork everyone contributed well </a:t>
+            </a:r>
+          </a:p>
+          <a:p>
+            <a:pPr lvl="1">
+              <a:buFont typeface="Arial" panose="020B0604020202020204" pitchFamily="34" charset="0"/>
+              <a:buChar char="•"/>
+            </a:pPr>
+            <a:r>
+              <a:rPr lang="en-US" dirty="0"/>
+              <a:t>Great communication</a:t>
+            </a:r>
+          </a:p>
+          <a:p>
+            <a:pPr lvl="1">
+              <a:buFont typeface="Arial" panose="020B0604020202020204" pitchFamily="34" charset="0"/>
+              <a:buChar char="•"/>
+            </a:pPr>
+            <a:r>
+              <a:rPr lang="en-US" dirty="0"/>
+              <a:t>Productive project meetings</a:t>
+            </a:r>
+          </a:p>
+          <a:p>
+            <a:pPr lvl="2">
+              <a:buFont typeface="Arial" panose="020B0604020202020204" pitchFamily="34" charset="0"/>
+              <a:buChar char="•"/>
+            </a:pPr>
+            <a:r>
+              <a:rPr lang="en-US" sz="2000" dirty="0"/>
+              <a:t>Scrum meeting earlier in the day, followed by a working meeting in the evening </a:t>
+            </a:r>
+          </a:p>
+          <a:p>
+            <a:pPr lvl="2">
+              <a:buFont typeface="Arial" panose="020B0604020202020204" pitchFamily="34" charset="0"/>
+              <a:buChar char="•"/>
+            </a:pPr>
+            <a:r>
+              <a:rPr lang="en-US" sz="2000" dirty="0"/>
+              <a:t>Conducted weekend working meetings</a:t>
+            </a:r>
+          </a:p>
+          <a:p>
+            <a:pPr lvl="1">
+              <a:buFont typeface="Arial" panose="020B0604020202020204" pitchFamily="34" charset="0"/>
+              <a:buChar char="•"/>
+            </a:pPr>
+            <a:r>
+              <a:rPr lang="en-US" dirty="0"/>
+              <a:t>Making a component (not just at the top App layer) a class and leveraging state, component Did Mount within it</a:t>
+            </a:r>
+          </a:p>
+          <a:p>
+            <a:pPr>
+              <a:buFont typeface="Arial" panose="020B0604020202020204" pitchFamily="34" charset="0"/>
+              <a:buChar char="•"/>
+            </a:pPr>
             <a:endParaRPr lang="en-US" sz="2000" dirty="0"/>
+          </a:p>
+          <a:p>
+            <a:pPr lvl="2">
+              <a:buFont typeface="Arial" panose="020B0604020202020204" pitchFamily="34" charset="0"/>
+              <a:buChar char="•"/>
+            </a:pPr>
+            <a:endParaRPr lang="en-US" sz="2000" dirty="0"/>
+          </a:p>
+          <a:p>
+            <a:pPr lvl="1">
+              <a:buFont typeface="Arial" panose="020B0604020202020204" pitchFamily="34" charset="0"/>
+              <a:buChar char="•"/>
+            </a:pPr>
+            <a:endParaRPr lang="en-US" dirty="0"/>
           </a:p>
         </p:txBody>
       </p:sp>
@@ -9283,8 +9395,8 @@
         </p:nvSpPr>
         <p:spPr>
           <a:xfrm>
-            <a:off x="1143000" y="2133600"/>
-            <a:ext cx="9829800" cy="3894667"/>
+            <a:off x="1142999" y="2133600"/>
+            <a:ext cx="10824411" cy="3894667"/>
           </a:xfrm>
         </p:spPr>
         <p:txBody>
@@ -9326,6 +9438,35 @@
               <a:rPr lang="en-US" dirty="0"/>
               <a:t>Enhanced permissions for change manager</a:t>
             </a:r>
+          </a:p>
+          <a:p>
+            <a:pPr lvl="1"/>
+            <a:r>
+              <a:rPr lang="en-US" dirty="0"/>
+              <a:t>In the reports section allow drilldown on individual tickets</a:t>
+            </a:r>
+          </a:p>
+          <a:p>
+            <a:pPr lvl="1"/>
+            <a:r>
+              <a:rPr lang="en-US" dirty="0"/>
+              <a:t>Allow drilldown on the dashboard charts to the changes associated for that day</a:t>
+            </a:r>
+          </a:p>
+          <a:p>
+            <a:pPr lvl="1"/>
+            <a:r>
+              <a:rPr lang="en-US" dirty="0"/>
+              <a:t>Allow sort on individual columns</a:t>
+            </a:r>
+          </a:p>
+          <a:p>
+            <a:pPr lvl="1"/>
+            <a:endParaRPr lang="en-US" dirty="0"/>
+          </a:p>
+          <a:p>
+            <a:pPr lvl="1"/>
+            <a:endParaRPr lang="en-US" dirty="0"/>
           </a:p>
           <a:p>
             <a:pPr lvl="1"/>
